--- a/1.2Czy-stan-zapalny-ma-wpływ-na-raka-płuca.pptx
+++ b/1.2Czy-stan-zapalny-ma-wpływ-na-raka-płuca.pptx
@@ -124,7 +124,7 @@
   </p:defaultTextStyle>
   <p:extLst>
     <p:ext uri="{EFAFB233-063F-42B5-8137-9DF3F51BA10A}">
-      <p15:sldGuideLst xmlns:p15="http://schemas.microsoft.com/office/powerpoint/2012/main" xmlns="">
+      <p15:sldGuideLst xmlns:p15="http://schemas.microsoft.com/office/powerpoint/2012/main">
         <p15:guide id="1" orient="horz" pos="2160">
           <p15:clr>
             <a:srgbClr val="A4A3A4"/>
@@ -139,6 +139,10 @@
     </p:ext>
   </p:extLst>
 </p:presentation>
+</file>
+
+<file path=ppt/revisionInfo.xml><?xml version="1.0" encoding="utf-8"?>
+<p1510:revInfo xmlns:a="http://schemas.openxmlformats.org/drawingml/2006/main" xmlns:r="http://schemas.openxmlformats.org/officeDocument/2006/relationships" xmlns:p1510="http://schemas.microsoft.com/office/powerpoint/2015/10/main"/>
 </file>
 
 <file path=ppt/changesInfos/changesInfo1.xml><?xml version="1.0" encoding="utf-8"?>
@@ -268,7 +272,7 @@
             <a:fld id="{A1F85679-1472-4A9B-97D7-E2DEB0129FB2}" type="datetimeFigureOut">
               <a:rPr lang="pl-PL" smtClean="0"/>
               <a:pPr/>
-              <a:t>2017-12-04</a:t>
+              <a:t>04.12.2017</a:t>
             </a:fld>
             <a:endParaRPr lang="pl-PL"/>
           </a:p>
@@ -700,7 +704,7 @@
     </p:spTree>
     <p:extLst>
       <p:ext uri="{BB962C8B-B14F-4D97-AF65-F5344CB8AC3E}">
-        <p14:creationId xmlns:p14="http://schemas.microsoft.com/office/powerpoint/2010/main" xmlns="" val="1829093300"/>
+        <p14:creationId xmlns:p14="http://schemas.microsoft.com/office/powerpoint/2010/main" val="1829093300"/>
       </p:ext>
     </p:extLst>
   </p:cSld>
@@ -1089,45 +1093,45 @@
               <a:defRPr/>
             </a:pPr>
             <a:r>
-              <a:rPr lang="pl-PL" dirty="0" smtClean="0"/>
+              <a:rPr lang="pl-PL" dirty="0"/>
               <a:t>(dopracować) Badaniem objęto 39 pacjentów z histopatologicznie potwierdzonym </a:t>
             </a:r>
             <a:r>
-              <a:rPr lang="pl-PL" dirty="0" err="1" smtClean="0"/>
+              <a:rPr lang="pl-PL" dirty="0" err="1"/>
               <a:t>niedrobnokomórkowym</a:t>
             </a:r>
             <a:r>
-              <a:rPr lang="pl-PL" baseline="0" dirty="0" smtClean="0"/>
+              <a:rPr lang="pl-PL" baseline="0" dirty="0"/>
               <a:t> rakiem płuca</a:t>
             </a:r>
             <a:r>
-              <a:rPr lang="pl-PL" dirty="0" smtClean="0"/>
+              <a:rPr lang="pl-PL" dirty="0"/>
               <a:t>. Grupa</a:t>
             </a:r>
             <a:r>
-              <a:rPr lang="pl-PL" baseline="0" dirty="0" smtClean="0"/>
+              <a:rPr lang="pl-PL" baseline="0" dirty="0"/>
               <a:t> składała się z 20 mężczyzn i 19 kobiet. Wywiad genetyczny był dodatni u 12 i ujemny w pozostałych przypadkach. Większość (28) miało płaskonabłonkowego raka płuca. Tabelarycznie przedstawiono liczność </a:t>
             </a:r>
             <a:r>
-              <a:rPr lang="pl-PL" baseline="0" dirty="0" err="1" smtClean="0"/>
+              <a:rPr lang="pl-PL" baseline="0" dirty="0" err="1"/>
               <a:t>pogrup</a:t>
             </a:r>
             <a:r>
-              <a:rPr lang="pl-PL" baseline="0" dirty="0" smtClean="0"/>
+              <a:rPr lang="pl-PL" baseline="0" dirty="0"/>
               <a:t> w zależności od skal AJCC i </a:t>
             </a:r>
             <a:r>
-              <a:rPr lang="pl-PL" baseline="0" dirty="0" err="1" smtClean="0"/>
+              <a:rPr lang="pl-PL" baseline="0" dirty="0" err="1"/>
               <a:t>cTNM</a:t>
             </a:r>
             <a:r>
-              <a:rPr lang="pl-PL" baseline="0" dirty="0" smtClean="0"/>
+              <a:rPr lang="pl-PL" baseline="0" dirty="0"/>
               <a:t>.</a:t>
             </a:r>
-            <a:endParaRPr lang="pl-PL" dirty="0" smtClean="0"/>
-          </a:p>
-          <a:p>
-            <a:endParaRPr lang="pl-PL" dirty="0" smtClean="0"/>
+            <a:endParaRPr lang="pl-PL" dirty="0"/>
+          </a:p>
+          <a:p>
+            <a:endParaRPr lang="pl-PL" dirty="0"/>
           </a:p>
           <a:p>
             <a:endParaRPr lang="pl-PL" dirty="0"/>
@@ -1230,56 +1234,56 @@
               <a:defRPr/>
             </a:pPr>
             <a:r>
-              <a:rPr lang="pl-PL" dirty="0" smtClean="0"/>
+              <a:rPr lang="pl-PL" dirty="0"/>
               <a:t>RNA do oceny</a:t>
             </a:r>
             <a:r>
-              <a:rPr lang="pl-PL" baseline="0" dirty="0" smtClean="0"/>
+              <a:rPr lang="pl-PL" baseline="0" dirty="0"/>
               <a:t> ekspresji genów</a:t>
             </a:r>
             <a:r>
-              <a:rPr lang="pl-PL" dirty="0" smtClean="0"/>
+              <a:rPr lang="pl-PL" dirty="0"/>
               <a:t> zostało wyizolowane z fragmentu tkanki płuca pobranego podczas lobektomii/</a:t>
             </a:r>
             <a:r>
-              <a:rPr lang="pl-PL" dirty="0" err="1" smtClean="0"/>
+              <a:rPr lang="pl-PL" dirty="0" err="1"/>
               <a:t>pulmonektomii</a:t>
             </a:r>
             <a:r>
-              <a:rPr lang="pl-PL" dirty="0" smtClean="0"/>
+              <a:rPr lang="pl-PL" dirty="0"/>
               <a:t>. Natomiast RNA</a:t>
             </a:r>
             <a:r>
-              <a:rPr lang="pl-PL" baseline="0" dirty="0" smtClean="0"/>
+              <a:rPr lang="pl-PL" baseline="0" dirty="0"/>
               <a:t> do badań </a:t>
             </a:r>
             <a:r>
-              <a:rPr lang="pl-PL" dirty="0" err="1" smtClean="0"/>
+              <a:rPr lang="pl-PL" dirty="0" err="1"/>
               <a:t>miRNA</a:t>
             </a:r>
             <a:r>
-              <a:rPr lang="pl-PL" dirty="0" smtClean="0"/>
+              <a:rPr lang="pl-PL" dirty="0"/>
               <a:t> uzyskano z </a:t>
             </a:r>
             <a:r>
-              <a:rPr lang="pl-PL" dirty="0" err="1" smtClean="0"/>
+              <a:rPr lang="pl-PL" dirty="0" err="1"/>
               <a:t>egzosomów</a:t>
             </a:r>
             <a:r>
-              <a:rPr lang="pl-PL" dirty="0" smtClean="0"/>
+              <a:rPr lang="pl-PL" dirty="0"/>
               <a:t> z surowicy krwi obwodowej. Krew pobierano odpowiednio 3 dni przed i 7</a:t>
             </a:r>
             <a:r>
-              <a:rPr lang="pl-PL" baseline="0" dirty="0" smtClean="0"/>
+              <a:rPr lang="pl-PL" baseline="0" dirty="0"/>
               <a:t> po </a:t>
             </a:r>
             <a:r>
-              <a:rPr lang="pl-PL" dirty="0" smtClean="0"/>
+              <a:rPr lang="pl-PL" dirty="0"/>
               <a:t>zabiegu operacyjnym . </a:t>
             </a:r>
           </a:p>
           <a:p>
-            <a:endParaRPr lang="pl-PL" dirty="0" smtClean="0"/>
+            <a:endParaRPr lang="pl-PL" dirty="0"/>
           </a:p>
           <a:p>
             <a:endParaRPr lang="pl-PL" dirty="0"/>
@@ -1365,94 +1369,93 @@
           <a:lstStyle/>
           <a:p>
             <a:r>
-              <a:rPr lang="pl-PL" dirty="0" smtClean="0"/>
+              <a:rPr lang="pl-PL" dirty="0"/>
               <a:t>Wyizolowane</a:t>
             </a:r>
             <a:r>
-              <a:rPr lang="pl-PL" baseline="0" dirty="0" smtClean="0"/>
+              <a:rPr lang="pl-PL" baseline="0" dirty="0"/>
               <a:t> RNA przepisano na </a:t>
             </a:r>
             <a:r>
-              <a:rPr lang="pl-PL" baseline="0" dirty="0" err="1" smtClean="0"/>
+              <a:rPr lang="pl-PL" baseline="0" dirty="0" err="1"/>
               <a:t>cDNA</a:t>
             </a:r>
             <a:r>
-              <a:rPr lang="pl-PL" baseline="0" dirty="0" smtClean="0"/>
+              <a:rPr lang="pl-PL" baseline="0" dirty="0"/>
               <a:t> w procesie odwrotnej transkrypcji. Następnie p</a:t>
             </a:r>
             <a:r>
-              <a:rPr lang="pl-PL" dirty="0" smtClean="0"/>
+              <a:rPr lang="pl-PL" dirty="0"/>
               <a:t>oziom ekspresji (RQ) oznaczono metodą </a:t>
             </a:r>
             <a:r>
-              <a:rPr lang="pl-PL" dirty="0" err="1" smtClean="0"/>
+              <a:rPr lang="pl-PL" dirty="0" err="1"/>
               <a:t>qPCR</a:t>
             </a:r>
             <a:r>
-              <a:rPr lang="pl-PL" dirty="0" smtClean="0"/>
+              <a:rPr lang="pl-PL" dirty="0"/>
               <a:t>, na podstawie metody 2</a:t>
             </a:r>
             <a:r>
-              <a:rPr lang="pl-PL" baseline="30000" dirty="0" smtClean="0"/>
+              <a:rPr lang="pl-PL" baseline="30000" dirty="0"/>
               <a:t>-</a:t>
             </a:r>
             <a:r>
-              <a:rPr lang="en-US" baseline="30000" dirty="0" smtClean="0"/>
+              <a:rPr lang="en-US" baseline="30000" dirty="0"/>
               <a:t>ΔΔ</a:t>
             </a:r>
             <a:r>
-              <a:rPr lang="pl-PL" baseline="30000" dirty="0" err="1" smtClean="0"/>
+              <a:rPr lang="pl-PL" baseline="30000" dirty="0" err="1"/>
               <a:t>Ct</a:t>
             </a:r>
             <a:r>
-              <a:rPr lang="pl-PL" dirty="0" smtClean="0"/>
+              <a:rPr lang="pl-PL" dirty="0"/>
               <a:t> względem </a:t>
             </a:r>
             <a:r>
-              <a:rPr lang="pl-PL" dirty="0" err="1" smtClean="0"/>
+              <a:rPr lang="pl-PL" dirty="0" err="1"/>
               <a:t>β-aktyny</a:t>
             </a:r>
             <a:r>
-              <a:rPr lang="pl-PL" dirty="0" smtClean="0"/>
+              <a:rPr lang="pl-PL" dirty="0"/>
               <a:t> dla</a:t>
             </a:r>
             <a:r>
-              <a:rPr lang="pl-PL" baseline="0" dirty="0" smtClean="0"/>
+              <a:rPr lang="pl-PL" baseline="0" dirty="0"/>
               <a:t> genów</a:t>
             </a:r>
             <a:r>
-              <a:rPr lang="pl-PL" dirty="0" smtClean="0"/>
+              <a:rPr lang="pl-PL" dirty="0"/>
               <a:t> i global </a:t>
             </a:r>
             <a:r>
-              <a:rPr lang="pl-PL" dirty="0" err="1" smtClean="0"/>
+              <a:rPr lang="pl-PL" dirty="0" err="1"/>
               <a:t>normalization</a:t>
             </a:r>
             <a:r>
-              <a:rPr lang="pl-PL" dirty="0" smtClean="0"/>
+              <a:rPr lang="pl-PL" dirty="0"/>
               <a:t> dla</a:t>
             </a:r>
             <a:r>
-              <a:rPr lang="pl-PL" baseline="0" dirty="0" smtClean="0"/>
+              <a:rPr lang="pl-PL" baseline="0" dirty="0"/>
               <a:t> </a:t>
             </a:r>
             <a:r>
-              <a:rPr lang="pl-PL" dirty="0" err="1" smtClean="0"/>
+              <a:rPr lang="pl-PL" dirty="0" err="1"/>
               <a:t>miRNA</a:t>
             </a:r>
             <a:r>
-              <a:rPr lang="pl-PL" dirty="0" smtClean="0"/>
+              <a:rPr lang="pl-PL" dirty="0"/>
               <a:t>. Do analizy statystycznej wykorzystano program </a:t>
             </a:r>
             <a:r>
-              <a:rPr lang="pl-PL" dirty="0" err="1" smtClean="0"/>
+              <a:rPr lang="pl-PL" dirty="0" err="1"/>
               <a:t>Statistica</a:t>
             </a:r>
             <a:r>
-              <a:rPr lang="pl-PL" dirty="0" smtClean="0"/>
+              <a:rPr lang="pl-PL" dirty="0"/>
               <a:t> 13.1.</a:t>
             </a:r>
-            <a:endParaRPr lang="pl-PL" dirty="0"/>
           </a:p>
         </p:txBody>
       </p:sp>
@@ -1653,7 +1656,7 @@
     </p:spTree>
     <p:extLst>
       <p:ext uri="{BB962C8B-B14F-4D97-AF65-F5344CB8AC3E}">
-        <p14:creationId xmlns:p14="http://schemas.microsoft.com/office/powerpoint/2010/main" xmlns="" val="2471443564"/>
+        <p14:creationId xmlns:p14="http://schemas.microsoft.com/office/powerpoint/2010/main" val="2471443564"/>
       </p:ext>
     </p:extLst>
   </p:cSld>
@@ -1738,7 +1741,7 @@
     </p:spTree>
     <p:extLst>
       <p:ext uri="{BB962C8B-B14F-4D97-AF65-F5344CB8AC3E}">
-        <p14:creationId xmlns:p14="http://schemas.microsoft.com/office/powerpoint/2010/main" xmlns="" val="3128595230"/>
+        <p14:creationId xmlns:p14="http://schemas.microsoft.com/office/powerpoint/2010/main" val="3128595230"/>
       </p:ext>
     </p:extLst>
   </p:cSld>
@@ -1928,7 +1931,7 @@
             <a:fld id="{66221E02-25CB-4963-84BC-0813985E7D90}" type="datetimeFigureOut">
               <a:rPr lang="pl-PL" smtClean="0"/>
               <a:pPr/>
-              <a:t>2017-12-04</a:t>
+              <a:t>04.12.2017</a:t>
             </a:fld>
             <a:endParaRPr lang="pl-PL"/>
           </a:p>
@@ -2093,7 +2096,7 @@
             <a:fld id="{66221E02-25CB-4963-84BC-0813985E7D90}" type="datetimeFigureOut">
               <a:rPr lang="pl-PL" smtClean="0"/>
               <a:pPr/>
-              <a:t>2017-12-04</a:t>
+              <a:t>04.12.2017</a:t>
             </a:fld>
             <a:endParaRPr lang="pl-PL"/>
           </a:p>
@@ -2268,7 +2271,7 @@
             <a:fld id="{66221E02-25CB-4963-84BC-0813985E7D90}" type="datetimeFigureOut">
               <a:rPr lang="pl-PL" smtClean="0"/>
               <a:pPr/>
-              <a:t>2017-12-04</a:t>
+              <a:t>04.12.2017</a:t>
             </a:fld>
             <a:endParaRPr lang="pl-PL"/>
           </a:p>
@@ -2433,7 +2436,7 @@
             <a:fld id="{66221E02-25CB-4963-84BC-0813985E7D90}" type="datetimeFigureOut">
               <a:rPr lang="pl-PL" smtClean="0"/>
               <a:pPr/>
-              <a:t>2017-12-04</a:t>
+              <a:t>04.12.2017</a:t>
             </a:fld>
             <a:endParaRPr lang="pl-PL"/>
           </a:p>
@@ -2675,7 +2678,7 @@
             <a:fld id="{66221E02-25CB-4963-84BC-0813985E7D90}" type="datetimeFigureOut">
               <a:rPr lang="pl-PL" smtClean="0"/>
               <a:pPr/>
-              <a:t>2017-12-04</a:t>
+              <a:t>04.12.2017</a:t>
             </a:fld>
             <a:endParaRPr lang="pl-PL"/>
           </a:p>
@@ -2957,7 +2960,7 @@
             <a:fld id="{66221E02-25CB-4963-84BC-0813985E7D90}" type="datetimeFigureOut">
               <a:rPr lang="pl-PL" smtClean="0"/>
               <a:pPr/>
-              <a:t>2017-12-04</a:t>
+              <a:t>04.12.2017</a:t>
             </a:fld>
             <a:endParaRPr lang="pl-PL"/>
           </a:p>
@@ -3373,7 +3376,7 @@
             <a:fld id="{66221E02-25CB-4963-84BC-0813985E7D90}" type="datetimeFigureOut">
               <a:rPr lang="pl-PL" smtClean="0"/>
               <a:pPr/>
-              <a:t>2017-12-04</a:t>
+              <a:t>04.12.2017</a:t>
             </a:fld>
             <a:endParaRPr lang="pl-PL"/>
           </a:p>
@@ -3487,7 +3490,7 @@
             <a:fld id="{66221E02-25CB-4963-84BC-0813985E7D90}" type="datetimeFigureOut">
               <a:rPr lang="pl-PL" smtClean="0"/>
               <a:pPr/>
-              <a:t>2017-12-04</a:t>
+              <a:t>04.12.2017</a:t>
             </a:fld>
             <a:endParaRPr lang="pl-PL"/>
           </a:p>
@@ -3579,7 +3582,7 @@
             <a:fld id="{66221E02-25CB-4963-84BC-0813985E7D90}" type="datetimeFigureOut">
               <a:rPr lang="pl-PL" smtClean="0"/>
               <a:pPr/>
-              <a:t>2017-12-04</a:t>
+              <a:t>04.12.2017</a:t>
             </a:fld>
             <a:endParaRPr lang="pl-PL"/>
           </a:p>
@@ -3851,7 +3854,7 @@
             <a:fld id="{66221E02-25CB-4963-84BC-0813985E7D90}" type="datetimeFigureOut">
               <a:rPr lang="pl-PL" smtClean="0"/>
               <a:pPr/>
-              <a:t>2017-12-04</a:t>
+              <a:t>04.12.2017</a:t>
             </a:fld>
             <a:endParaRPr lang="pl-PL"/>
           </a:p>
@@ -4100,7 +4103,7 @@
             <a:fld id="{66221E02-25CB-4963-84BC-0813985E7D90}" type="datetimeFigureOut">
               <a:rPr lang="pl-PL" smtClean="0"/>
               <a:pPr/>
-              <a:t>2017-12-04</a:t>
+              <a:t>04.12.2017</a:t>
             </a:fld>
             <a:endParaRPr lang="pl-PL"/>
           </a:p>
@@ -4308,7 +4311,7 @@
             <a:fld id="{66221E02-25CB-4963-84BC-0813985E7D90}" type="datetimeFigureOut">
               <a:rPr lang="pl-PL" smtClean="0"/>
               <a:pPr/>
-              <a:t>2017-12-04</a:t>
+              <a:t>04.12.2017</a:t>
             </a:fld>
             <a:endParaRPr lang="pl-PL"/>
           </a:p>
@@ -4874,7 +4877,7 @@
           <p:cNvPr id="4" name="Obiekt 3">
             <a:extLst>
               <a:ext uri="{FF2B5EF4-FFF2-40B4-BE49-F238E27FC236}">
-                <a16:creationId xmlns:a16="http://schemas.microsoft.com/office/drawing/2014/main" xmlns="" id="{DB4BF6E1-1AB0-4ACF-AD06-7989FACE01D2}"/>
+                <a16:creationId xmlns:a16="http://schemas.microsoft.com/office/drawing/2014/main" id="{DB4BF6E1-1AB0-4ACF-AD06-7989FACE01D2}"/>
               </a:ext>
             </a:extLst>
           </p:cNvPr>
@@ -4884,7 +4887,7 @@
           <p:nvPr>
             <p:extLst>
               <p:ext uri="{D42A27DB-BD31-4B8C-83A1-F6EECF244321}">
-                <p14:modId xmlns:p14="http://schemas.microsoft.com/office/powerpoint/2010/main" xmlns="" val="2390177982"/>
+                <p14:modId xmlns:p14="http://schemas.microsoft.com/office/powerpoint/2010/main" val="2390177982"/>
               </p:ext>
             </p:extLst>
           </p:nvPr>
@@ -4895,9 +4898,59 @@
         </p:xfrm>
         <a:graphic>
           <a:graphicData uri="http://schemas.openxmlformats.org/presentationml/2006/ole">
-            <p:oleObj spid="_x0000_s2050" name="Graph" r:id="rId4" imgW="5943600" imgH="4462200" progId="Statistica.Graph">
-              <p:embed/>
-            </p:oleObj>
+            <mc:AlternateContent xmlns:mc="http://schemas.openxmlformats.org/markup-compatibility/2006">
+              <mc:Choice xmlns:v="urn:schemas-microsoft-com:vml" Requires="v">
+                <p:oleObj spid="_x0000_s2051" name="Graph" r:id="rId4" imgW="5943600" imgH="4462200" progId="Statistica.Graph">
+                  <p:embed/>
+                </p:oleObj>
+              </mc:Choice>
+              <mc:Fallback>
+                <p:oleObj name="Graph" r:id="rId4" imgW="5943600" imgH="4462200" progId="Statistica.Graph">
+                  <p:embed/>
+                  <p:pic>
+                    <p:nvPicPr>
+                      <p:cNvPr id="0" name="Picture 2"/>
+                      <p:cNvPicPr>
+                        <a:picLocks noChangeAspect="1" noChangeArrowheads="1"/>
+                      </p:cNvPicPr>
+                      <p:nvPr/>
+                    </p:nvPicPr>
+                    <p:blipFill>
+                      <a:blip r:embed="rId5">
+                        <a:extLst>
+                          <a:ext uri="{28A0092B-C50C-407E-A947-70E740481C1C}">
+                            <a14:useLocalDpi xmlns:a14="http://schemas.microsoft.com/office/drawing/2010/main" val="0"/>
+                          </a:ext>
+                        </a:extLst>
+                      </a:blip>
+                      <a:srcRect/>
+                      <a:stretch>
+                        <a:fillRect/>
+                      </a:stretch>
+                    </p:blipFill>
+                    <p:spPr bwMode="auto">
+                      <a:xfrm>
+                        <a:off x="975590" y="260648"/>
+                        <a:ext cx="7192819" cy="5400377"/>
+                      </a:xfrm>
+                      <a:prstGeom prst="rect">
+                        <a:avLst/>
+                      </a:prstGeom>
+                      <a:noFill/>
+                      <a:extLst>
+                        <a:ext uri="{909E8E84-426E-40DD-AFC4-6F175D3DCCD1}">
+                          <a14:hiddenFill xmlns:a14="http://schemas.microsoft.com/office/drawing/2010/main">
+                            <a:solidFill>
+                              <a:srgbClr val="FFFFFF"/>
+                            </a:solidFill>
+                          </a14:hiddenFill>
+                        </a:ext>
+                      </a:extLst>
+                    </p:spPr>
+                  </p:pic>
+                </p:oleObj>
+              </mc:Fallback>
+            </mc:AlternateContent>
           </a:graphicData>
         </a:graphic>
       </p:graphicFrame>
@@ -4906,7 +4959,7 @@
           <p:cNvPr id="5" name="pole tekstowe 4">
             <a:extLst>
               <a:ext uri="{FF2B5EF4-FFF2-40B4-BE49-F238E27FC236}">
-                <a16:creationId xmlns:a16="http://schemas.microsoft.com/office/drawing/2014/main" xmlns="" id="{A1E5C000-C152-48E1-9E5F-73C9F959E9B7}"/>
+                <a16:creationId xmlns:a16="http://schemas.microsoft.com/office/drawing/2014/main" id="{A1E5C000-C152-48E1-9E5F-73C9F959E9B7}"/>
               </a:ext>
             </a:extLst>
           </p:cNvPr>
@@ -5014,7 +5067,7 @@
           <p:cNvPr id="6" name="Grupa 5">
             <a:extLst>
               <a:ext uri="{FF2B5EF4-FFF2-40B4-BE49-F238E27FC236}">
-                <a16:creationId xmlns:a16="http://schemas.microsoft.com/office/drawing/2014/main" xmlns="" id="{F752E251-F4B7-458F-8D12-B5E707D15DF6}"/>
+                <a16:creationId xmlns:a16="http://schemas.microsoft.com/office/drawing/2014/main" id="{F752E251-F4B7-458F-8D12-B5E707D15DF6}"/>
               </a:ext>
             </a:extLst>
           </p:cNvPr>
@@ -5034,7 +5087,7 @@
             <p:cNvPr id="7" name="Łącznik prosty ze strzałką 6">
               <a:extLst>
                 <a:ext uri="{FF2B5EF4-FFF2-40B4-BE49-F238E27FC236}">
-                  <a16:creationId xmlns:a16="http://schemas.microsoft.com/office/drawing/2014/main" xmlns="" id="{92D2A6CA-BE84-44E6-A1C9-6F8433352B31}"/>
+                  <a16:creationId xmlns:a16="http://schemas.microsoft.com/office/drawing/2014/main" id="{92D2A6CA-BE84-44E6-A1C9-6F8433352B31}"/>
                 </a:ext>
               </a:extLst>
             </p:cNvPr>
@@ -5078,7 +5131,7 @@
             <p:cNvPr id="8" name="Łącznik prosty 7">
               <a:extLst>
                 <a:ext uri="{FF2B5EF4-FFF2-40B4-BE49-F238E27FC236}">
-                  <a16:creationId xmlns:a16="http://schemas.microsoft.com/office/drawing/2014/main" xmlns="" id="{64A97CF4-A20E-40E3-89CE-3E4766229136}"/>
+                  <a16:creationId xmlns:a16="http://schemas.microsoft.com/office/drawing/2014/main" id="{64A97CF4-A20E-40E3-89CE-3E4766229136}"/>
                 </a:ext>
               </a:extLst>
             </p:cNvPr>
@@ -5121,7 +5174,7 @@
             <p:cNvPr id="9" name="Łącznik prosty ze strzałką 8">
               <a:extLst>
                 <a:ext uri="{FF2B5EF4-FFF2-40B4-BE49-F238E27FC236}">
-                  <a16:creationId xmlns:a16="http://schemas.microsoft.com/office/drawing/2014/main" xmlns="" id="{6A788D0B-610D-40D9-B533-B8ED7C89CFD0}"/>
+                  <a16:creationId xmlns:a16="http://schemas.microsoft.com/office/drawing/2014/main" id="{6A788D0B-610D-40D9-B533-B8ED7C89CFD0}"/>
                 </a:ext>
               </a:extLst>
             </p:cNvPr>
@@ -5165,7 +5218,7 @@
             <p:cNvPr id="10" name="pole tekstowe 9">
               <a:extLst>
                 <a:ext uri="{FF2B5EF4-FFF2-40B4-BE49-F238E27FC236}">
-                  <a16:creationId xmlns:a16="http://schemas.microsoft.com/office/drawing/2014/main" xmlns="" id="{4E91CE54-DDA0-4842-9E5B-63A6DEE794C3}"/>
+                  <a16:creationId xmlns:a16="http://schemas.microsoft.com/office/drawing/2014/main" id="{4E91CE54-DDA0-4842-9E5B-63A6DEE794C3}"/>
                 </a:ext>
               </a:extLst>
             </p:cNvPr>
@@ -5199,7 +5252,7 @@
     </p:spTree>
     <p:extLst>
       <p:ext uri="{BB962C8B-B14F-4D97-AF65-F5344CB8AC3E}">
-        <p14:creationId xmlns:p14="http://schemas.microsoft.com/office/powerpoint/2010/main" xmlns="" val="3368507998"/>
+        <p14:creationId xmlns:p14="http://schemas.microsoft.com/office/powerpoint/2010/main" val="3368507998"/>
       </p:ext>
     </p:extLst>
   </p:cSld>
@@ -5231,7 +5284,7 @@
           <p:cNvPr id="5" name="Obiekt 4">
             <a:extLst>
               <a:ext uri="{FF2B5EF4-FFF2-40B4-BE49-F238E27FC236}">
-                <a16:creationId xmlns:a16="http://schemas.microsoft.com/office/drawing/2014/main" xmlns="" id="{4B91BE1E-2189-4A20-9818-5501BB925C0F}"/>
+                <a16:creationId xmlns:a16="http://schemas.microsoft.com/office/drawing/2014/main" id="{4B91BE1E-2189-4A20-9818-5501BB925C0F}"/>
               </a:ext>
             </a:extLst>
           </p:cNvPr>
@@ -5241,7 +5294,7 @@
           <p:nvPr>
             <p:extLst>
               <p:ext uri="{D42A27DB-BD31-4B8C-83A1-F6EECF244321}">
-                <p14:modId xmlns:p14="http://schemas.microsoft.com/office/powerpoint/2010/main" xmlns="" val="1121365870"/>
+                <p14:modId xmlns:p14="http://schemas.microsoft.com/office/powerpoint/2010/main" val="1121365870"/>
               </p:ext>
             </p:extLst>
           </p:nvPr>
@@ -5252,9 +5305,59 @@
         </p:xfrm>
         <a:graphic>
           <a:graphicData uri="http://schemas.openxmlformats.org/presentationml/2006/ole">
-            <p:oleObj spid="_x0000_s3074" name="Graph" r:id="rId3" imgW="5943600" imgH="4462200" progId="Statistica.Graph">
-              <p:embed/>
-            </p:oleObj>
+            <mc:AlternateContent xmlns:mc="http://schemas.openxmlformats.org/markup-compatibility/2006">
+              <mc:Choice xmlns:v="urn:schemas-microsoft-com:vml" Requires="v">
+                <p:oleObj spid="_x0000_s3076" name="Graph" r:id="rId3" imgW="5943600" imgH="4462200" progId="Statistica.Graph">
+                  <p:embed/>
+                </p:oleObj>
+              </mc:Choice>
+              <mc:Fallback>
+                <p:oleObj name="Graph" r:id="rId3" imgW="5943600" imgH="4462200" progId="Statistica.Graph">
+                  <p:embed/>
+                  <p:pic>
+                    <p:nvPicPr>
+                      <p:cNvPr id="0" name="Picture 2"/>
+                      <p:cNvPicPr>
+                        <a:picLocks noChangeAspect="1" noChangeArrowheads="1"/>
+                      </p:cNvPicPr>
+                      <p:nvPr/>
+                    </p:nvPicPr>
+                    <p:blipFill>
+                      <a:blip r:embed="rId4">
+                        <a:extLst>
+                          <a:ext uri="{28A0092B-C50C-407E-A947-70E740481C1C}">
+                            <a14:useLocalDpi xmlns:a14="http://schemas.microsoft.com/office/drawing/2010/main" val="0"/>
+                          </a:ext>
+                        </a:extLst>
+                      </a:blip>
+                      <a:srcRect/>
+                      <a:stretch>
+                        <a:fillRect/>
+                      </a:stretch>
+                    </p:blipFill>
+                    <p:spPr bwMode="auto">
+                      <a:xfrm>
+                        <a:off x="-2" y="116632"/>
+                        <a:ext cx="4603084" cy="3456000"/>
+                      </a:xfrm>
+                      <a:prstGeom prst="rect">
+                        <a:avLst/>
+                      </a:prstGeom>
+                      <a:noFill/>
+                      <a:extLst>
+                        <a:ext uri="{909E8E84-426E-40DD-AFC4-6F175D3DCCD1}">
+                          <a14:hiddenFill xmlns:a14="http://schemas.microsoft.com/office/drawing/2010/main">
+                            <a:solidFill>
+                              <a:srgbClr val="FFFFFF"/>
+                            </a:solidFill>
+                          </a14:hiddenFill>
+                        </a:ext>
+                      </a:extLst>
+                    </p:spPr>
+                  </p:pic>
+                </p:oleObj>
+              </mc:Fallback>
+            </mc:AlternateContent>
           </a:graphicData>
         </a:graphic>
       </p:graphicFrame>
@@ -5263,7 +5366,7 @@
           <p:cNvPr id="6" name="Obiekt 5">
             <a:extLst>
               <a:ext uri="{FF2B5EF4-FFF2-40B4-BE49-F238E27FC236}">
-                <a16:creationId xmlns:a16="http://schemas.microsoft.com/office/drawing/2014/main" xmlns="" id="{91E00BDE-7CC1-40DF-9390-981A9B505E05}"/>
+                <a16:creationId xmlns:a16="http://schemas.microsoft.com/office/drawing/2014/main" id="{91E00BDE-7CC1-40DF-9390-981A9B505E05}"/>
               </a:ext>
             </a:extLst>
           </p:cNvPr>
@@ -5273,7 +5376,7 @@
           <p:nvPr>
             <p:extLst>
               <p:ext uri="{D42A27DB-BD31-4B8C-83A1-F6EECF244321}">
-                <p14:modId xmlns:p14="http://schemas.microsoft.com/office/powerpoint/2010/main" xmlns="" val="1248087899"/>
+                <p14:modId xmlns:p14="http://schemas.microsoft.com/office/powerpoint/2010/main" val="1248087899"/>
               </p:ext>
             </p:extLst>
           </p:nvPr>
@@ -5284,9 +5387,59 @@
         </p:xfrm>
         <a:graphic>
           <a:graphicData uri="http://schemas.openxmlformats.org/presentationml/2006/ole">
-            <p:oleObj spid="_x0000_s3075" name="Graph" r:id="rId4" imgW="5943600" imgH="4462200" progId="Statistica.Graph">
-              <p:embed/>
-            </p:oleObj>
+            <mc:AlternateContent xmlns:mc="http://schemas.openxmlformats.org/markup-compatibility/2006">
+              <mc:Choice xmlns:v="urn:schemas-microsoft-com:vml" Requires="v">
+                <p:oleObj spid="_x0000_s3077" name="Graph" r:id="rId5" imgW="5943600" imgH="4462200" progId="Statistica.Graph">
+                  <p:embed/>
+                </p:oleObj>
+              </mc:Choice>
+              <mc:Fallback>
+                <p:oleObj name="Graph" r:id="rId5" imgW="5943600" imgH="4462200" progId="Statistica.Graph">
+                  <p:embed/>
+                  <p:pic>
+                    <p:nvPicPr>
+                      <p:cNvPr id="0" name="Picture 3"/>
+                      <p:cNvPicPr>
+                        <a:picLocks noChangeAspect="1" noChangeArrowheads="1"/>
+                      </p:cNvPicPr>
+                      <p:nvPr/>
+                    </p:nvPicPr>
+                    <p:blipFill>
+                      <a:blip r:embed="rId6">
+                        <a:extLst>
+                          <a:ext uri="{28A0092B-C50C-407E-A947-70E740481C1C}">
+                            <a14:useLocalDpi xmlns:a14="http://schemas.microsoft.com/office/drawing/2010/main" val="0"/>
+                          </a:ext>
+                        </a:extLst>
+                      </a:blip>
+                      <a:srcRect/>
+                      <a:stretch>
+                        <a:fillRect/>
+                      </a:stretch>
+                    </p:blipFill>
+                    <p:spPr bwMode="auto">
+                      <a:xfrm>
+                        <a:off x="4540920" y="2204864"/>
+                        <a:ext cx="4603080" cy="3456000"/>
+                      </a:xfrm>
+                      <a:prstGeom prst="rect">
+                        <a:avLst/>
+                      </a:prstGeom>
+                      <a:noFill/>
+                      <a:extLst>
+                        <a:ext uri="{909E8E84-426E-40DD-AFC4-6F175D3DCCD1}">
+                          <a14:hiddenFill xmlns:a14="http://schemas.microsoft.com/office/drawing/2010/main">
+                            <a:solidFill>
+                              <a:srgbClr val="FFFFFF"/>
+                            </a:solidFill>
+                          </a14:hiddenFill>
+                        </a:ext>
+                      </a:extLst>
+                    </p:spPr>
+                  </p:pic>
+                </p:oleObj>
+              </mc:Fallback>
+            </mc:AlternateContent>
           </a:graphicData>
         </a:graphic>
       </p:graphicFrame>
@@ -5295,7 +5448,7 @@
           <p:cNvPr id="7" name="pole tekstowe 6">
             <a:extLst>
               <a:ext uri="{FF2B5EF4-FFF2-40B4-BE49-F238E27FC236}">
-                <a16:creationId xmlns:a16="http://schemas.microsoft.com/office/drawing/2014/main" xmlns="" id="{0FDDEAE6-85FE-4F39-8D84-9E252DD4B391}"/>
+                <a16:creationId xmlns:a16="http://schemas.microsoft.com/office/drawing/2014/main" id="{0FDDEAE6-85FE-4F39-8D84-9E252DD4B391}"/>
               </a:ext>
             </a:extLst>
           </p:cNvPr>
@@ -5419,7 +5572,7 @@
           <p:cNvPr id="8" name="pole tekstowe 7">
             <a:extLst>
               <a:ext uri="{FF2B5EF4-FFF2-40B4-BE49-F238E27FC236}">
-                <a16:creationId xmlns:a16="http://schemas.microsoft.com/office/drawing/2014/main" xmlns="" id="{A8F4C059-1BC2-45D7-84D5-75E411D066D7}"/>
+                <a16:creationId xmlns:a16="http://schemas.microsoft.com/office/drawing/2014/main" id="{A8F4C059-1BC2-45D7-84D5-75E411D066D7}"/>
               </a:ext>
             </a:extLst>
           </p:cNvPr>
@@ -5541,7 +5694,7 @@
     </p:spTree>
     <p:extLst>
       <p:ext uri="{BB962C8B-B14F-4D97-AF65-F5344CB8AC3E}">
-        <p14:creationId xmlns:p14="http://schemas.microsoft.com/office/powerpoint/2010/main" xmlns="" val="2318443513"/>
+        <p14:creationId xmlns:p14="http://schemas.microsoft.com/office/powerpoint/2010/main" val="2318443513"/>
       </p:ext>
     </p:extLst>
   </p:cSld>
@@ -5573,7 +5726,7 @@
           <p:cNvPr id="4" name="Obiekt 3">
             <a:extLst>
               <a:ext uri="{FF2B5EF4-FFF2-40B4-BE49-F238E27FC236}">
-                <a16:creationId xmlns:a16="http://schemas.microsoft.com/office/drawing/2014/main" xmlns="" id="{A40D0CFA-3CC6-453C-ABEA-2EF7A3131377}"/>
+                <a16:creationId xmlns:a16="http://schemas.microsoft.com/office/drawing/2014/main" id="{A40D0CFA-3CC6-453C-ABEA-2EF7A3131377}"/>
               </a:ext>
             </a:extLst>
           </p:cNvPr>
@@ -5583,7 +5736,7 @@
           <p:nvPr>
             <p:extLst>
               <p:ext uri="{D42A27DB-BD31-4B8C-83A1-F6EECF244321}">
-                <p14:modId xmlns:p14="http://schemas.microsoft.com/office/powerpoint/2010/main" xmlns="" val="2406755590"/>
+                <p14:modId xmlns:p14="http://schemas.microsoft.com/office/powerpoint/2010/main" val="2406755590"/>
               </p:ext>
             </p:extLst>
           </p:nvPr>
@@ -5594,9 +5747,59 @@
         </p:xfrm>
         <a:graphic>
           <a:graphicData uri="http://schemas.openxmlformats.org/presentationml/2006/ole">
-            <p:oleObj spid="_x0000_s4098" name="Graph" r:id="rId4" imgW="5943600" imgH="4462200" progId="Statistica.Graph">
-              <p:embed/>
-            </p:oleObj>
+            <mc:AlternateContent xmlns:mc="http://schemas.openxmlformats.org/markup-compatibility/2006">
+              <mc:Choice xmlns:v="urn:schemas-microsoft-com:vml" Requires="v">
+                <p:oleObj spid="_x0000_s4099" name="Graph" r:id="rId4" imgW="5943600" imgH="4462200" progId="Statistica.Graph">
+                  <p:embed/>
+                </p:oleObj>
+              </mc:Choice>
+              <mc:Fallback>
+                <p:oleObj name="Graph" r:id="rId4" imgW="5943600" imgH="4462200" progId="Statistica.Graph">
+                  <p:embed/>
+                  <p:pic>
+                    <p:nvPicPr>
+                      <p:cNvPr id="0" name="Picture 2"/>
+                      <p:cNvPicPr>
+                        <a:picLocks noChangeAspect="1" noChangeArrowheads="1"/>
+                      </p:cNvPicPr>
+                      <p:nvPr/>
+                    </p:nvPicPr>
+                    <p:blipFill>
+                      <a:blip r:embed="rId5">
+                        <a:extLst>
+                          <a:ext uri="{28A0092B-C50C-407E-A947-70E740481C1C}">
+                            <a14:useLocalDpi xmlns:a14="http://schemas.microsoft.com/office/drawing/2010/main" val="0"/>
+                          </a:ext>
+                        </a:extLst>
+                      </a:blip>
+                      <a:srcRect/>
+                      <a:stretch>
+                        <a:fillRect/>
+                      </a:stretch>
+                    </p:blipFill>
+                    <p:spPr bwMode="auto">
+                      <a:xfrm>
+                        <a:off x="757843" y="116632"/>
+                        <a:ext cx="7499685" cy="5630773"/>
+                      </a:xfrm>
+                      <a:prstGeom prst="rect">
+                        <a:avLst/>
+                      </a:prstGeom>
+                      <a:noFill/>
+                      <a:extLst>
+                        <a:ext uri="{909E8E84-426E-40DD-AFC4-6F175D3DCCD1}">
+                          <a14:hiddenFill xmlns:a14="http://schemas.microsoft.com/office/drawing/2010/main">
+                            <a:solidFill>
+                              <a:srgbClr val="FFFFFF"/>
+                            </a:solidFill>
+                          </a14:hiddenFill>
+                        </a:ext>
+                      </a:extLst>
+                    </p:spPr>
+                  </p:pic>
+                </p:oleObj>
+              </mc:Fallback>
+            </mc:AlternateContent>
           </a:graphicData>
         </a:graphic>
       </p:graphicFrame>
@@ -5605,7 +5808,7 @@
           <p:cNvPr id="6" name="pole tekstowe 5">
             <a:extLst>
               <a:ext uri="{FF2B5EF4-FFF2-40B4-BE49-F238E27FC236}">
-                <a16:creationId xmlns:a16="http://schemas.microsoft.com/office/drawing/2014/main" xmlns="" id="{C0CE9966-9FA9-4913-A3F2-286BDAA062EA}"/>
+                <a16:creationId xmlns:a16="http://schemas.microsoft.com/office/drawing/2014/main" id="{C0CE9966-9FA9-4913-A3F2-286BDAA062EA}"/>
               </a:ext>
             </a:extLst>
           </p:cNvPr>
@@ -5714,11 +5917,19 @@
             </a:r>
             <a:r>
               <a:rPr lang="en-US" dirty="0"/>
-              <a:t> </a:t>
+              <a:t> (AJCC) </a:t>
             </a:r>
             <a:r>
               <a:rPr lang="en-US" b="1" dirty="0"/>
-              <a:t>(p=0,01)</a:t>
+              <a:t>(p=0,01</a:t>
+            </a:r>
+            <a:r>
+              <a:rPr lang="en-US" b="1"/>
+              <a:t>, test UM-W</a:t>
+            </a:r>
+            <a:r>
+              <a:rPr lang="en-US" b="1" dirty="0"/>
+              <a:t>)</a:t>
             </a:r>
           </a:p>
         </p:txBody>
@@ -5728,7 +5939,7 @@
           <p:cNvPr id="18" name="Grupa 17">
             <a:extLst>
               <a:ext uri="{FF2B5EF4-FFF2-40B4-BE49-F238E27FC236}">
-                <a16:creationId xmlns:a16="http://schemas.microsoft.com/office/drawing/2014/main" xmlns="" id="{37C4BEF0-A31A-4E2E-B54D-63D91B5BE9E9}"/>
+                <a16:creationId xmlns:a16="http://schemas.microsoft.com/office/drawing/2014/main" id="{37C4BEF0-A31A-4E2E-B54D-63D91B5BE9E9}"/>
               </a:ext>
             </a:extLst>
           </p:cNvPr>
@@ -5748,7 +5959,7 @@
             <p:cNvPr id="19" name="Łącznik prosty ze strzałką 18">
               <a:extLst>
                 <a:ext uri="{FF2B5EF4-FFF2-40B4-BE49-F238E27FC236}">
-                  <a16:creationId xmlns:a16="http://schemas.microsoft.com/office/drawing/2014/main" xmlns="" id="{5910114A-9A15-40F6-AD21-9553669E42B5}"/>
+                  <a16:creationId xmlns:a16="http://schemas.microsoft.com/office/drawing/2014/main" id="{5910114A-9A15-40F6-AD21-9553669E42B5}"/>
                 </a:ext>
               </a:extLst>
             </p:cNvPr>
@@ -5792,7 +6003,7 @@
             <p:cNvPr id="20" name="Łącznik prosty 19">
               <a:extLst>
                 <a:ext uri="{FF2B5EF4-FFF2-40B4-BE49-F238E27FC236}">
-                  <a16:creationId xmlns:a16="http://schemas.microsoft.com/office/drawing/2014/main" xmlns="" id="{1A4B1A18-28AE-4F3E-B080-833D79B6DBE2}"/>
+                  <a16:creationId xmlns:a16="http://schemas.microsoft.com/office/drawing/2014/main" id="{1A4B1A18-28AE-4F3E-B080-833D79B6DBE2}"/>
                 </a:ext>
               </a:extLst>
             </p:cNvPr>
@@ -5835,7 +6046,7 @@
             <p:cNvPr id="21" name="Łącznik prosty ze strzałką 20">
               <a:extLst>
                 <a:ext uri="{FF2B5EF4-FFF2-40B4-BE49-F238E27FC236}">
-                  <a16:creationId xmlns:a16="http://schemas.microsoft.com/office/drawing/2014/main" xmlns="" id="{542BF90C-B06D-4A41-B658-EAC4F8922ADD}"/>
+                  <a16:creationId xmlns:a16="http://schemas.microsoft.com/office/drawing/2014/main" id="{542BF90C-B06D-4A41-B658-EAC4F8922ADD}"/>
                 </a:ext>
               </a:extLst>
             </p:cNvPr>
@@ -5879,7 +6090,7 @@
             <p:cNvPr id="22" name="pole tekstowe 21">
               <a:extLst>
                 <a:ext uri="{FF2B5EF4-FFF2-40B4-BE49-F238E27FC236}">
-                  <a16:creationId xmlns:a16="http://schemas.microsoft.com/office/drawing/2014/main" xmlns="" id="{0EC704B1-6644-4228-9380-5328E79CC449}"/>
+                  <a16:creationId xmlns:a16="http://schemas.microsoft.com/office/drawing/2014/main" id="{0EC704B1-6644-4228-9380-5328E79CC449}"/>
                 </a:ext>
               </a:extLst>
             </p:cNvPr>
@@ -5913,7 +6124,7 @@
     </p:spTree>
     <p:extLst>
       <p:ext uri="{BB962C8B-B14F-4D97-AF65-F5344CB8AC3E}">
-        <p14:creationId xmlns:p14="http://schemas.microsoft.com/office/powerpoint/2010/main" xmlns="" val="4226831621"/>
+        <p14:creationId xmlns:p14="http://schemas.microsoft.com/office/powerpoint/2010/main" val="4226831621"/>
       </p:ext>
     </p:extLst>
   </p:cSld>
@@ -6169,7 +6380,7 @@
           <p:cNvPr id="6" name="no_b_Logo.png" descr="no_b_Logo.png">
             <a:extLst>
               <a:ext uri="{FF2B5EF4-FFF2-40B4-BE49-F238E27FC236}">
-                <a16:creationId xmlns:a16="http://schemas.microsoft.com/office/drawing/2014/main" xmlns="" id="{6F1EBDA4-A964-4BE7-A3E7-3B23C6F9AB7C}"/>
+                <a16:creationId xmlns:a16="http://schemas.microsoft.com/office/drawing/2014/main" id="{6F1EBDA4-A964-4BE7-A3E7-3B23C6F9AB7C}"/>
               </a:ext>
             </a:extLst>
           </p:cNvPr>
@@ -6205,7 +6416,7 @@
           <p:cNvPr id="7" name="Image" descr="Image">
             <a:extLst>
               <a:ext uri="{FF2B5EF4-FFF2-40B4-BE49-F238E27FC236}">
-                <a16:creationId xmlns:a16="http://schemas.microsoft.com/office/drawing/2014/main" xmlns="" id="{6E9170F3-CA8A-4106-B855-2C6906C36CDF}"/>
+                <a16:creationId xmlns:a16="http://schemas.microsoft.com/office/drawing/2014/main" id="{6E9170F3-CA8A-4106-B855-2C6906C36CDF}"/>
               </a:ext>
             </a:extLst>
           </p:cNvPr>
@@ -6240,7 +6451,7 @@
           <p:cNvPr id="1026" name="Picture 2" descr="http://stn.umed.pl/wp-content/uploads/2017/01/logo-web.png">
             <a:extLst>
               <a:ext uri="{FF2B5EF4-FFF2-40B4-BE49-F238E27FC236}">
-                <a16:creationId xmlns:a16="http://schemas.microsoft.com/office/drawing/2014/main" xmlns="" id="{A50498B3-3F6D-4EBB-8ED9-9B5516022D42}"/>
+                <a16:creationId xmlns:a16="http://schemas.microsoft.com/office/drawing/2014/main" id="{A50498B3-3F6D-4EBB-8ED9-9B5516022D42}"/>
               </a:ext>
             </a:extLst>
           </p:cNvPr>
@@ -6253,7 +6464,7 @@
           <a:blip r:embed="rId5" cstate="print">
             <a:extLst>
               <a:ext uri="{28A0092B-C50C-407E-A947-70E740481C1C}">
-                <a14:useLocalDpi xmlns:a14="http://schemas.microsoft.com/office/drawing/2010/main" xmlns="" val="0"/>
+                <a14:useLocalDpi xmlns:a14="http://schemas.microsoft.com/office/drawing/2010/main" val="0"/>
               </a:ext>
             </a:extLst>
           </a:blip>
@@ -6273,7 +6484,7 @@
           <a:noFill/>
           <a:extLst>
             <a:ext uri="{909E8E84-426E-40DD-AFC4-6F175D3DCCD1}">
-              <a14:hiddenFill xmlns:a14="http://schemas.microsoft.com/office/drawing/2010/main" xmlns="">
+              <a14:hiddenFill xmlns:a14="http://schemas.microsoft.com/office/drawing/2010/main">
                 <a:solidFill>
                   <a:srgbClr val="FFFFFF"/>
                 </a:solidFill>
@@ -6681,7 +6892,7 @@
           <p:cNvPr id="9" name="Tabela 8">
             <a:extLst>
               <a:ext uri="{FF2B5EF4-FFF2-40B4-BE49-F238E27FC236}">
-                <a16:creationId xmlns:a16="http://schemas.microsoft.com/office/drawing/2014/main" xmlns="" id="{597D063E-8746-4954-A168-770B323C444B}"/>
+                <a16:creationId xmlns:a16="http://schemas.microsoft.com/office/drawing/2014/main" id="{597D063E-8746-4954-A168-770B323C444B}"/>
               </a:ext>
             </a:extLst>
           </p:cNvPr>
@@ -6691,7 +6902,7 @@
           <p:nvPr>
             <p:extLst>
               <p:ext uri="{D42A27DB-BD31-4B8C-83A1-F6EECF244321}">
-                <p14:modId xmlns:p14="http://schemas.microsoft.com/office/powerpoint/2010/main" xmlns="" val="2136211400"/>
+                <p14:modId xmlns:p14="http://schemas.microsoft.com/office/powerpoint/2010/main" val="2136211400"/>
               </p:ext>
             </p:extLst>
           </p:nvPr>
@@ -6710,14 +6921,14 @@
                 <a:gridCol w="1656184">
                   <a:extLst>
                     <a:ext uri="{9D8B030D-6E8A-4147-A177-3AD203B41FA5}">
-                      <a16:colId xmlns:a16="http://schemas.microsoft.com/office/drawing/2014/main" xmlns="" val="4059203491"/>
+                      <a16:colId xmlns:a16="http://schemas.microsoft.com/office/drawing/2014/main" val="4059203491"/>
                     </a:ext>
                   </a:extLst>
                 </a:gridCol>
                 <a:gridCol w="1656184">
                   <a:extLst>
                     <a:ext uri="{9D8B030D-6E8A-4147-A177-3AD203B41FA5}">
-                      <a16:colId xmlns:a16="http://schemas.microsoft.com/office/drawing/2014/main" xmlns="" val="3849346464"/>
+                      <a16:colId xmlns:a16="http://schemas.microsoft.com/office/drawing/2014/main" val="3849346464"/>
                     </a:ext>
                   </a:extLst>
                 </a:gridCol>
@@ -6758,7 +6969,7 @@
                 </a:tc>
                 <a:extLst>
                   <a:ext uri="{0D108BD9-81ED-4DB2-BD59-A6C34878D82A}">
-                    <a16:rowId xmlns:a16="http://schemas.microsoft.com/office/drawing/2014/main" xmlns="" val="2323383112"/>
+                    <a16:rowId xmlns:a16="http://schemas.microsoft.com/office/drawing/2014/main" val="2323383112"/>
                   </a:ext>
                 </a:extLst>
               </a:tr>
@@ -6799,7 +7010,7 @@
                 </a:tc>
                 <a:extLst>
                   <a:ext uri="{0D108BD9-81ED-4DB2-BD59-A6C34878D82A}">
-                    <a16:rowId xmlns:a16="http://schemas.microsoft.com/office/drawing/2014/main" xmlns="" val="2932727270"/>
+                    <a16:rowId xmlns:a16="http://schemas.microsoft.com/office/drawing/2014/main" val="2932727270"/>
                   </a:ext>
                 </a:extLst>
               </a:tr>
@@ -6835,7 +7046,7 @@
                 </a:tc>
                 <a:extLst>
                   <a:ext uri="{0D108BD9-81ED-4DB2-BD59-A6C34878D82A}">
-                    <a16:rowId xmlns:a16="http://schemas.microsoft.com/office/drawing/2014/main" xmlns="" val="3838021132"/>
+                    <a16:rowId xmlns:a16="http://schemas.microsoft.com/office/drawing/2014/main" val="3838021132"/>
                   </a:ext>
                 </a:extLst>
               </a:tr>
@@ -6848,7 +7059,7 @@
           <p:cNvPr id="7" name="Tabela 6">
             <a:extLst>
               <a:ext uri="{FF2B5EF4-FFF2-40B4-BE49-F238E27FC236}">
-                <a16:creationId xmlns:a16="http://schemas.microsoft.com/office/drawing/2014/main" xmlns="" id="{5AD90983-CEFA-4223-AE5C-A3C96540F74C}"/>
+                <a16:creationId xmlns:a16="http://schemas.microsoft.com/office/drawing/2014/main" id="{5AD90983-CEFA-4223-AE5C-A3C96540F74C}"/>
               </a:ext>
             </a:extLst>
           </p:cNvPr>
@@ -6858,7 +7069,7 @@
           <p:nvPr>
             <p:extLst>
               <p:ext uri="{D42A27DB-BD31-4B8C-83A1-F6EECF244321}">
-                <p14:modId xmlns:p14="http://schemas.microsoft.com/office/powerpoint/2010/main" xmlns="" val="3720322582"/>
+                <p14:modId xmlns:p14="http://schemas.microsoft.com/office/powerpoint/2010/main" val="3720322582"/>
               </p:ext>
             </p:extLst>
           </p:nvPr>
@@ -6877,105 +7088,105 @@
                 <a:gridCol w="435994">
                   <a:extLst>
                     <a:ext uri="{9D8B030D-6E8A-4147-A177-3AD203B41FA5}">
-                      <a16:colId xmlns:a16="http://schemas.microsoft.com/office/drawing/2014/main" xmlns="" val="1693357772"/>
+                      <a16:colId xmlns:a16="http://schemas.microsoft.com/office/drawing/2014/main" val="1693357772"/>
                     </a:ext>
                   </a:extLst>
                 </a:gridCol>
                 <a:gridCol w="435994">
                   <a:extLst>
                     <a:ext uri="{9D8B030D-6E8A-4147-A177-3AD203B41FA5}">
-                      <a16:colId xmlns:a16="http://schemas.microsoft.com/office/drawing/2014/main" xmlns="" val="886042104"/>
+                      <a16:colId xmlns:a16="http://schemas.microsoft.com/office/drawing/2014/main" val="886042104"/>
                     </a:ext>
                   </a:extLst>
                 </a:gridCol>
                 <a:gridCol w="435994">
                   <a:extLst>
                     <a:ext uri="{9D8B030D-6E8A-4147-A177-3AD203B41FA5}">
-                      <a16:colId xmlns:a16="http://schemas.microsoft.com/office/drawing/2014/main" xmlns="" val="2648502109"/>
+                      <a16:colId xmlns:a16="http://schemas.microsoft.com/office/drawing/2014/main" val="2648502109"/>
                     </a:ext>
                   </a:extLst>
                 </a:gridCol>
                 <a:gridCol w="435994">
                   <a:extLst>
                     <a:ext uri="{9D8B030D-6E8A-4147-A177-3AD203B41FA5}">
-                      <a16:colId xmlns:a16="http://schemas.microsoft.com/office/drawing/2014/main" xmlns="" val="2436883859"/>
+                      <a16:colId xmlns:a16="http://schemas.microsoft.com/office/drawing/2014/main" val="2436883859"/>
                     </a:ext>
                   </a:extLst>
                 </a:gridCol>
                 <a:gridCol w="435994">
                   <a:extLst>
                     <a:ext uri="{9D8B030D-6E8A-4147-A177-3AD203B41FA5}">
-                      <a16:colId xmlns:a16="http://schemas.microsoft.com/office/drawing/2014/main" xmlns="" val="2861511621"/>
+                      <a16:colId xmlns:a16="http://schemas.microsoft.com/office/drawing/2014/main" val="2861511621"/>
                     </a:ext>
                   </a:extLst>
                 </a:gridCol>
                 <a:gridCol w="482978">
                   <a:extLst>
                     <a:ext uri="{9D8B030D-6E8A-4147-A177-3AD203B41FA5}">
-                      <a16:colId xmlns:a16="http://schemas.microsoft.com/office/drawing/2014/main" xmlns="" val="3537628510"/>
+                      <a16:colId xmlns:a16="http://schemas.microsoft.com/office/drawing/2014/main" val="3537628510"/>
                     </a:ext>
                   </a:extLst>
                 </a:gridCol>
                 <a:gridCol w="435994">
                   <a:extLst>
                     <a:ext uri="{9D8B030D-6E8A-4147-A177-3AD203B41FA5}">
-                      <a16:colId xmlns:a16="http://schemas.microsoft.com/office/drawing/2014/main" xmlns="" val="881022842"/>
+                      <a16:colId xmlns:a16="http://schemas.microsoft.com/office/drawing/2014/main" val="881022842"/>
                     </a:ext>
                   </a:extLst>
                 </a:gridCol>
                 <a:gridCol w="435994">
                   <a:extLst>
                     <a:ext uri="{9D8B030D-6E8A-4147-A177-3AD203B41FA5}">
-                      <a16:colId xmlns:a16="http://schemas.microsoft.com/office/drawing/2014/main" xmlns="" val="3370350225"/>
+                      <a16:colId xmlns:a16="http://schemas.microsoft.com/office/drawing/2014/main" val="3370350225"/>
                     </a:ext>
                   </a:extLst>
                 </a:gridCol>
                 <a:gridCol w="435994">
                   <a:extLst>
                     <a:ext uri="{9D8B030D-6E8A-4147-A177-3AD203B41FA5}">
-                      <a16:colId xmlns:a16="http://schemas.microsoft.com/office/drawing/2014/main" xmlns="" val="1444410191"/>
+                      <a16:colId xmlns:a16="http://schemas.microsoft.com/office/drawing/2014/main" val="1444410191"/>
                     </a:ext>
                   </a:extLst>
                 </a:gridCol>
                 <a:gridCol w="435994">
                   <a:extLst>
                     <a:ext uri="{9D8B030D-6E8A-4147-A177-3AD203B41FA5}">
-                      <a16:colId xmlns:a16="http://schemas.microsoft.com/office/drawing/2014/main" xmlns="" val="4059203491"/>
+                      <a16:colId xmlns:a16="http://schemas.microsoft.com/office/drawing/2014/main" val="4059203491"/>
                     </a:ext>
                   </a:extLst>
                 </a:gridCol>
                 <a:gridCol w="435994">
                   <a:extLst>
                     <a:ext uri="{9D8B030D-6E8A-4147-A177-3AD203B41FA5}">
-                      <a16:colId xmlns:a16="http://schemas.microsoft.com/office/drawing/2014/main" xmlns="" val="4204423908"/>
+                      <a16:colId xmlns:a16="http://schemas.microsoft.com/office/drawing/2014/main" val="4204423908"/>
                     </a:ext>
                   </a:extLst>
                 </a:gridCol>
                 <a:gridCol w="435994">
                   <a:extLst>
                     <a:ext uri="{9D8B030D-6E8A-4147-A177-3AD203B41FA5}">
-                      <a16:colId xmlns:a16="http://schemas.microsoft.com/office/drawing/2014/main" xmlns="" val="2801729913"/>
+                      <a16:colId xmlns:a16="http://schemas.microsoft.com/office/drawing/2014/main" val="2801729913"/>
                     </a:ext>
                   </a:extLst>
                 </a:gridCol>
                 <a:gridCol w="435994">
                   <a:extLst>
                     <a:ext uri="{9D8B030D-6E8A-4147-A177-3AD203B41FA5}">
-                      <a16:colId xmlns:a16="http://schemas.microsoft.com/office/drawing/2014/main" xmlns="" val="1584507648"/>
+                      <a16:colId xmlns:a16="http://schemas.microsoft.com/office/drawing/2014/main" val="1584507648"/>
                     </a:ext>
                   </a:extLst>
                 </a:gridCol>
                 <a:gridCol w="435994">
                   <a:extLst>
                     <a:ext uri="{9D8B030D-6E8A-4147-A177-3AD203B41FA5}">
-                      <a16:colId xmlns:a16="http://schemas.microsoft.com/office/drawing/2014/main" xmlns="" val="3347299052"/>
+                      <a16:colId xmlns:a16="http://schemas.microsoft.com/office/drawing/2014/main" val="3347299052"/>
                     </a:ext>
                   </a:extLst>
                 </a:gridCol>
                 <a:gridCol w="435994">
                   <a:extLst>
                     <a:ext uri="{9D8B030D-6E8A-4147-A177-3AD203B41FA5}">
-                      <a16:colId xmlns:a16="http://schemas.microsoft.com/office/drawing/2014/main" xmlns="" val="3849346464"/>
+                      <a16:colId xmlns:a16="http://schemas.microsoft.com/office/drawing/2014/main" val="3849346464"/>
                     </a:ext>
                   </a:extLst>
                 </a:gridCol>
@@ -7142,7 +7353,7 @@
                 </a:tc>
                 <a:extLst>
                   <a:ext uri="{0D108BD9-81ED-4DB2-BD59-A6C34878D82A}">
-                    <a16:rowId xmlns:a16="http://schemas.microsoft.com/office/drawing/2014/main" xmlns="" val="2323383112"/>
+                    <a16:rowId xmlns:a16="http://schemas.microsoft.com/office/drawing/2014/main" val="2323383112"/>
                   </a:ext>
                 </a:extLst>
               </a:tr>
@@ -7363,7 +7574,7 @@
                 </a:tc>
                 <a:extLst>
                   <a:ext uri="{0D108BD9-81ED-4DB2-BD59-A6C34878D82A}">
-                    <a16:rowId xmlns:a16="http://schemas.microsoft.com/office/drawing/2014/main" xmlns="" val="2932727270"/>
+                    <a16:rowId xmlns:a16="http://schemas.microsoft.com/office/drawing/2014/main" val="2932727270"/>
                   </a:ext>
                 </a:extLst>
               </a:tr>
@@ -7632,7 +7843,7 @@
                 </a:tc>
                 <a:extLst>
                   <a:ext uri="{0D108BD9-81ED-4DB2-BD59-A6C34878D82A}">
-                    <a16:rowId xmlns:a16="http://schemas.microsoft.com/office/drawing/2014/main" xmlns="" val="3838021132"/>
+                    <a16:rowId xmlns:a16="http://schemas.microsoft.com/office/drawing/2014/main" val="3838021132"/>
                   </a:ext>
                 </a:extLst>
               </a:tr>
@@ -7901,7 +8112,7 @@
                 </a:tc>
                 <a:extLst>
                   <a:ext uri="{0D108BD9-81ED-4DB2-BD59-A6C34878D82A}">
-                    <a16:rowId xmlns:a16="http://schemas.microsoft.com/office/drawing/2014/main" xmlns="" val="2834931701"/>
+                    <a16:rowId xmlns:a16="http://schemas.microsoft.com/office/drawing/2014/main" val="2834931701"/>
                   </a:ext>
                 </a:extLst>
               </a:tr>
@@ -7914,7 +8125,7 @@
           <p:cNvPr id="10" name="Tabela 9">
             <a:extLst>
               <a:ext uri="{FF2B5EF4-FFF2-40B4-BE49-F238E27FC236}">
-                <a16:creationId xmlns:a16="http://schemas.microsoft.com/office/drawing/2014/main" xmlns="" id="{228ABD70-D29B-46E0-AF4B-D59DF6AD23BF}"/>
+                <a16:creationId xmlns:a16="http://schemas.microsoft.com/office/drawing/2014/main" id="{228ABD70-D29B-46E0-AF4B-D59DF6AD23BF}"/>
               </a:ext>
             </a:extLst>
           </p:cNvPr>
@@ -7924,7 +8135,7 @@
           <p:nvPr>
             <p:extLst>
               <p:ext uri="{D42A27DB-BD31-4B8C-83A1-F6EECF244321}">
-                <p14:modId xmlns:p14="http://schemas.microsoft.com/office/powerpoint/2010/main" xmlns="" val="2203838443"/>
+                <p14:modId xmlns:p14="http://schemas.microsoft.com/office/powerpoint/2010/main" val="2203838443"/>
               </p:ext>
             </p:extLst>
           </p:nvPr>
@@ -7943,14 +8154,14 @@
                 <a:gridCol w="1079866">
                   <a:extLst>
                     <a:ext uri="{9D8B030D-6E8A-4147-A177-3AD203B41FA5}">
-                      <a16:colId xmlns:a16="http://schemas.microsoft.com/office/drawing/2014/main" xmlns="" val="4059203491"/>
+                      <a16:colId xmlns:a16="http://schemas.microsoft.com/office/drawing/2014/main" val="4059203491"/>
                     </a:ext>
                   </a:extLst>
                 </a:gridCol>
                 <a:gridCol w="1079866">
                   <a:extLst>
                     <a:ext uri="{9D8B030D-6E8A-4147-A177-3AD203B41FA5}">
-                      <a16:colId xmlns:a16="http://schemas.microsoft.com/office/drawing/2014/main" xmlns="" val="3849346464"/>
+                      <a16:colId xmlns:a16="http://schemas.microsoft.com/office/drawing/2014/main" val="3849346464"/>
                     </a:ext>
                   </a:extLst>
                 </a:gridCol>
@@ -7983,7 +8194,7 @@
                 </a:tc>
                 <a:extLst>
                   <a:ext uri="{0D108BD9-81ED-4DB2-BD59-A6C34878D82A}">
-                    <a16:rowId xmlns:a16="http://schemas.microsoft.com/office/drawing/2014/main" xmlns="" val="2323383112"/>
+                    <a16:rowId xmlns:a16="http://schemas.microsoft.com/office/drawing/2014/main" val="2323383112"/>
                   </a:ext>
                 </a:extLst>
               </a:tr>
@@ -8020,7 +8231,7 @@
                 </a:tc>
                 <a:extLst>
                   <a:ext uri="{0D108BD9-81ED-4DB2-BD59-A6C34878D82A}">
-                    <a16:rowId xmlns:a16="http://schemas.microsoft.com/office/drawing/2014/main" xmlns="" val="2932727270"/>
+                    <a16:rowId xmlns:a16="http://schemas.microsoft.com/office/drawing/2014/main" val="2932727270"/>
                   </a:ext>
                 </a:extLst>
               </a:tr>
@@ -8056,7 +8267,7 @@
                 </a:tc>
                 <a:extLst>
                   <a:ext uri="{0D108BD9-81ED-4DB2-BD59-A6C34878D82A}">
-                    <a16:rowId xmlns:a16="http://schemas.microsoft.com/office/drawing/2014/main" xmlns="" val="3838021132"/>
+                    <a16:rowId xmlns:a16="http://schemas.microsoft.com/office/drawing/2014/main" val="3838021132"/>
                   </a:ext>
                 </a:extLst>
               </a:tr>
@@ -8069,7 +8280,7 @@
           <p:cNvPr id="11" name="Tabela 10">
             <a:extLst>
               <a:ext uri="{FF2B5EF4-FFF2-40B4-BE49-F238E27FC236}">
-                <a16:creationId xmlns:a16="http://schemas.microsoft.com/office/drawing/2014/main" xmlns="" id="{EE659871-2BA5-4638-B28B-4CADB6F4EA1A}"/>
+                <a16:creationId xmlns:a16="http://schemas.microsoft.com/office/drawing/2014/main" id="{EE659871-2BA5-4638-B28B-4CADB6F4EA1A}"/>
               </a:ext>
             </a:extLst>
           </p:cNvPr>
@@ -8079,7 +8290,7 @@
           <p:nvPr>
             <p:extLst>
               <p:ext uri="{D42A27DB-BD31-4B8C-83A1-F6EECF244321}">
-                <p14:modId xmlns:p14="http://schemas.microsoft.com/office/powerpoint/2010/main" xmlns="" val="3565377344"/>
+                <p14:modId xmlns:p14="http://schemas.microsoft.com/office/powerpoint/2010/main" val="3565377344"/>
               </p:ext>
             </p:extLst>
           </p:nvPr>
@@ -8098,28 +8309,28 @@
                 <a:gridCol w="720080">
                   <a:extLst>
                     <a:ext uri="{9D8B030D-6E8A-4147-A177-3AD203B41FA5}">
-                      <a16:colId xmlns:a16="http://schemas.microsoft.com/office/drawing/2014/main" xmlns="" val="4059203491"/>
+                      <a16:colId xmlns:a16="http://schemas.microsoft.com/office/drawing/2014/main" val="4059203491"/>
                     </a:ext>
                   </a:extLst>
                 </a:gridCol>
                 <a:gridCol w="720080">
                   <a:extLst>
                     <a:ext uri="{9D8B030D-6E8A-4147-A177-3AD203B41FA5}">
-                      <a16:colId xmlns:a16="http://schemas.microsoft.com/office/drawing/2014/main" xmlns="" val="1320624364"/>
+                      <a16:colId xmlns:a16="http://schemas.microsoft.com/office/drawing/2014/main" val="1320624364"/>
                     </a:ext>
                   </a:extLst>
                 </a:gridCol>
                 <a:gridCol w="720080">
                   <a:extLst>
                     <a:ext uri="{9D8B030D-6E8A-4147-A177-3AD203B41FA5}">
-                      <a16:colId xmlns:a16="http://schemas.microsoft.com/office/drawing/2014/main" xmlns="" val="3051649146"/>
+                      <a16:colId xmlns:a16="http://schemas.microsoft.com/office/drawing/2014/main" val="3051649146"/>
                     </a:ext>
                   </a:extLst>
                 </a:gridCol>
                 <a:gridCol w="720080">
                   <a:extLst>
                     <a:ext uri="{9D8B030D-6E8A-4147-A177-3AD203B41FA5}">
-                      <a16:colId xmlns:a16="http://schemas.microsoft.com/office/drawing/2014/main" xmlns="" val="3849346464"/>
+                      <a16:colId xmlns:a16="http://schemas.microsoft.com/office/drawing/2014/main" val="3849346464"/>
                     </a:ext>
                   </a:extLst>
                 </a:gridCol>
@@ -8172,7 +8383,7 @@
                 </a:tc>
                 <a:extLst>
                   <a:ext uri="{0D108BD9-81ED-4DB2-BD59-A6C34878D82A}">
-                    <a16:rowId xmlns:a16="http://schemas.microsoft.com/office/drawing/2014/main" xmlns="" val="2323383112"/>
+                    <a16:rowId xmlns:a16="http://schemas.microsoft.com/office/drawing/2014/main" val="2323383112"/>
                   </a:ext>
                 </a:extLst>
               </a:tr>
@@ -8239,7 +8450,7 @@
                 </a:tc>
                 <a:extLst>
                   <a:ext uri="{0D108BD9-81ED-4DB2-BD59-A6C34878D82A}">
-                    <a16:rowId xmlns:a16="http://schemas.microsoft.com/office/drawing/2014/main" xmlns="" val="2932727270"/>
+                    <a16:rowId xmlns:a16="http://schemas.microsoft.com/office/drawing/2014/main" val="2932727270"/>
                   </a:ext>
                 </a:extLst>
               </a:tr>
@@ -8305,7 +8516,7 @@
                 </a:tc>
                 <a:extLst>
                   <a:ext uri="{0D108BD9-81ED-4DB2-BD59-A6C34878D82A}">
-                    <a16:rowId xmlns:a16="http://schemas.microsoft.com/office/drawing/2014/main" xmlns="" val="3838021132"/>
+                    <a16:rowId xmlns:a16="http://schemas.microsoft.com/office/drawing/2014/main" val="3838021132"/>
                   </a:ext>
                 </a:extLst>
               </a:tr>
@@ -8346,7 +8557,7 @@
     </p:spTree>
     <p:extLst>
       <p:ext uri="{BB962C8B-B14F-4D97-AF65-F5344CB8AC3E}">
-        <p14:creationId xmlns:p14="http://schemas.microsoft.com/office/powerpoint/2010/main" xmlns="" val="2893351227"/>
+        <p14:creationId xmlns:p14="http://schemas.microsoft.com/office/powerpoint/2010/main" val="2893351227"/>
       </p:ext>
     </p:extLst>
   </p:cSld>
@@ -8609,14 +8820,14 @@
                 <a:gridCol w="3024499">
                   <a:extLst>
                     <a:ext uri="{9D8B030D-6E8A-4147-A177-3AD203B41FA5}">
-                      <a16:colId xmlns:a16="http://schemas.microsoft.com/office/drawing/2014/main" xmlns="" val="3894142520"/>
+                      <a16:colId xmlns:a16="http://schemas.microsoft.com/office/drawing/2014/main" val="3894142520"/>
                     </a:ext>
                   </a:extLst>
                 </a:gridCol>
                 <a:gridCol w="5003885">
                   <a:extLst>
                     <a:ext uri="{9D8B030D-6E8A-4147-A177-3AD203B41FA5}">
-                      <a16:colId xmlns:a16="http://schemas.microsoft.com/office/drawing/2014/main" xmlns="" val="1413516115"/>
+                      <a16:colId xmlns:a16="http://schemas.microsoft.com/office/drawing/2014/main" val="1413516115"/>
                     </a:ext>
                   </a:extLst>
                 </a:gridCol>
@@ -8652,7 +8863,7 @@
                 </a:tc>
                 <a:extLst>
                   <a:ext uri="{0D108BD9-81ED-4DB2-BD59-A6C34878D82A}">
-                    <a16:rowId xmlns:a16="http://schemas.microsoft.com/office/drawing/2014/main" xmlns="" val="3585834205"/>
+                    <a16:rowId xmlns:a16="http://schemas.microsoft.com/office/drawing/2014/main" val="3585834205"/>
                   </a:ext>
                 </a:extLst>
               </a:tr>
@@ -8737,7 +8948,7 @@
                 </a:tc>
                 <a:extLst>
                   <a:ext uri="{0D108BD9-81ED-4DB2-BD59-A6C34878D82A}">
-                    <a16:rowId xmlns:a16="http://schemas.microsoft.com/office/drawing/2014/main" xmlns="" val="3176074627"/>
+                    <a16:rowId xmlns:a16="http://schemas.microsoft.com/office/drawing/2014/main" val="3176074627"/>
                   </a:ext>
                 </a:extLst>
               </a:tr>
@@ -8782,7 +8993,7 @@
                 </a:tc>
                 <a:extLst>
                   <a:ext uri="{0D108BD9-81ED-4DB2-BD59-A6C34878D82A}">
-                    <a16:rowId xmlns:a16="http://schemas.microsoft.com/office/drawing/2014/main" xmlns="" val="2323183566"/>
+                    <a16:rowId xmlns:a16="http://schemas.microsoft.com/office/drawing/2014/main" val="2323183566"/>
                   </a:ext>
                 </a:extLst>
               </a:tr>
@@ -8823,7 +9034,7 @@
                 </a:tc>
                 <a:extLst>
                   <a:ext uri="{0D108BD9-81ED-4DB2-BD59-A6C34878D82A}">
-                    <a16:rowId xmlns:a16="http://schemas.microsoft.com/office/drawing/2014/main" xmlns="" val="1519525509"/>
+                    <a16:rowId xmlns:a16="http://schemas.microsoft.com/office/drawing/2014/main" val="1519525509"/>
                   </a:ext>
                 </a:extLst>
               </a:tr>
@@ -8853,7 +9064,7 @@
                 </a:tc>
                 <a:extLst>
                   <a:ext uri="{0D108BD9-81ED-4DB2-BD59-A6C34878D82A}">
-                    <a16:rowId xmlns:a16="http://schemas.microsoft.com/office/drawing/2014/main" xmlns="" val="10004"/>
+                    <a16:rowId xmlns:a16="http://schemas.microsoft.com/office/drawing/2014/main" val="10004"/>
                   </a:ext>
                 </a:extLst>
               </a:tr>
@@ -8903,7 +9114,7 @@
                 </a:tc>
                 <a:extLst>
                   <a:ext uri="{0D108BD9-81ED-4DB2-BD59-A6C34878D82A}">
-                    <a16:rowId xmlns:a16="http://schemas.microsoft.com/office/drawing/2014/main" xmlns="" val="10005"/>
+                    <a16:rowId xmlns:a16="http://schemas.microsoft.com/office/drawing/2014/main" val="10005"/>
                   </a:ext>
                 </a:extLst>
               </a:tr>
@@ -8995,7 +9206,7 @@
                 </a:tc>
                 <a:extLst>
                   <a:ext uri="{0D108BD9-81ED-4DB2-BD59-A6C34878D82A}">
-                    <a16:rowId xmlns:a16="http://schemas.microsoft.com/office/drawing/2014/main" xmlns="" val="487944203"/>
+                    <a16:rowId xmlns:a16="http://schemas.microsoft.com/office/drawing/2014/main" val="487944203"/>
                   </a:ext>
                 </a:extLst>
               </a:tr>
@@ -9036,7 +9247,7 @@
                 </a:tc>
                 <a:extLst>
                   <a:ext uri="{0D108BD9-81ED-4DB2-BD59-A6C34878D82A}">
-                    <a16:rowId xmlns:a16="http://schemas.microsoft.com/office/drawing/2014/main" xmlns="" val="4293188632"/>
+                    <a16:rowId xmlns:a16="http://schemas.microsoft.com/office/drawing/2014/main" val="4293188632"/>
                   </a:ext>
                 </a:extLst>
               </a:tr>
@@ -9128,7 +9339,7 @@
           <p:cNvPr id="7" name="Obiekt 6">
             <a:extLst>
               <a:ext uri="{FF2B5EF4-FFF2-40B4-BE49-F238E27FC236}">
-                <a16:creationId xmlns:a16="http://schemas.microsoft.com/office/drawing/2014/main" xmlns="" id="{D84738A8-5279-4E61-AE5D-3D2D65F75D4A}"/>
+                <a16:creationId xmlns:a16="http://schemas.microsoft.com/office/drawing/2014/main" id="{D84738A8-5279-4E61-AE5D-3D2D65F75D4A}"/>
               </a:ext>
             </a:extLst>
           </p:cNvPr>
@@ -9138,7 +9349,7 @@
           <p:nvPr>
             <p:extLst>
               <p:ext uri="{D42A27DB-BD31-4B8C-83A1-F6EECF244321}">
-                <p14:modId xmlns:p14="http://schemas.microsoft.com/office/powerpoint/2010/main" xmlns="" val="2070638612"/>
+                <p14:modId xmlns:p14="http://schemas.microsoft.com/office/powerpoint/2010/main" val="2070638612"/>
               </p:ext>
             </p:extLst>
           </p:nvPr>
@@ -9149,9 +9360,59 @@
         </p:xfrm>
         <a:graphic>
           <a:graphicData uri="http://schemas.openxmlformats.org/presentationml/2006/ole">
-            <p:oleObj spid="_x0000_s1026" name="Graph" r:id="rId4" imgW="5943600" imgH="4462200" progId="Statistica.Graph">
-              <p:embed/>
-            </p:oleObj>
+            <mc:AlternateContent xmlns:mc="http://schemas.openxmlformats.org/markup-compatibility/2006">
+              <mc:Choice xmlns:v="urn:schemas-microsoft-com:vml" Requires="v">
+                <p:oleObj spid="_x0000_s1028" name="Graph" r:id="rId4" imgW="5943600" imgH="4462200" progId="Statistica.Graph">
+                  <p:embed/>
+                </p:oleObj>
+              </mc:Choice>
+              <mc:Fallback>
+                <p:oleObj name="Graph" r:id="rId4" imgW="5943600" imgH="4462200" progId="Statistica.Graph">
+                  <p:embed/>
+                  <p:pic>
+                    <p:nvPicPr>
+                      <p:cNvPr id="0" name="Picture 2"/>
+                      <p:cNvPicPr>
+                        <a:picLocks noChangeAspect="1" noChangeArrowheads="1"/>
+                      </p:cNvPicPr>
+                      <p:nvPr/>
+                    </p:nvPicPr>
+                    <p:blipFill>
+                      <a:blip r:embed="rId5">
+                        <a:extLst>
+                          <a:ext uri="{28A0092B-C50C-407E-A947-70E740481C1C}">
+                            <a14:useLocalDpi xmlns:a14="http://schemas.microsoft.com/office/drawing/2010/main" val="0"/>
+                          </a:ext>
+                        </a:extLst>
+                      </a:blip>
+                      <a:srcRect/>
+                      <a:stretch>
+                        <a:fillRect/>
+                      </a:stretch>
+                    </p:blipFill>
+                    <p:spPr bwMode="auto">
+                      <a:xfrm>
+                        <a:off x="4407691" y="3514505"/>
+                        <a:ext cx="3644106" cy="2736000"/>
+                      </a:xfrm>
+                      <a:prstGeom prst="rect">
+                        <a:avLst/>
+                      </a:prstGeom>
+                      <a:noFill/>
+                      <a:extLst>
+                        <a:ext uri="{909E8E84-426E-40DD-AFC4-6F175D3DCCD1}">
+                          <a14:hiddenFill xmlns:a14="http://schemas.microsoft.com/office/drawing/2010/main">
+                            <a:solidFill>
+                              <a:srgbClr val="FFFFFF"/>
+                            </a:solidFill>
+                          </a14:hiddenFill>
+                        </a:ext>
+                      </a:extLst>
+                    </p:spPr>
+                  </p:pic>
+                </p:oleObj>
+              </mc:Fallback>
+            </mc:AlternateContent>
           </a:graphicData>
         </a:graphic>
       </p:graphicFrame>
@@ -9160,7 +9421,7 @@
           <p:cNvPr id="8" name="pole tekstowe 7">
             <a:extLst>
               <a:ext uri="{FF2B5EF4-FFF2-40B4-BE49-F238E27FC236}">
-                <a16:creationId xmlns:a16="http://schemas.microsoft.com/office/drawing/2014/main" xmlns="" id="{6D933E18-258C-4D66-A13D-3F584E0AB4E0}"/>
+                <a16:creationId xmlns:a16="http://schemas.microsoft.com/office/drawing/2014/main" id="{6D933E18-258C-4D66-A13D-3F584E0AB4E0}"/>
               </a:ext>
             </a:extLst>
           </p:cNvPr>
@@ -9260,7 +9521,7 @@
           <p:cNvPr id="9" name="pole tekstowe 8">
             <a:extLst>
               <a:ext uri="{FF2B5EF4-FFF2-40B4-BE49-F238E27FC236}">
-                <a16:creationId xmlns:a16="http://schemas.microsoft.com/office/drawing/2014/main" xmlns="" id="{DC72D0B3-5C1D-4ECE-ACAC-224B5E77C8BD}"/>
+                <a16:creationId xmlns:a16="http://schemas.microsoft.com/office/drawing/2014/main" id="{DC72D0B3-5C1D-4ECE-ACAC-224B5E77C8BD}"/>
               </a:ext>
             </a:extLst>
           </p:cNvPr>
@@ -9360,7 +9621,7 @@
           <p:cNvPr id="6" name="Obiekt 5">
             <a:extLst>
               <a:ext uri="{FF2B5EF4-FFF2-40B4-BE49-F238E27FC236}">
-                <a16:creationId xmlns:a16="http://schemas.microsoft.com/office/drawing/2014/main" xmlns="" id="{489E675C-D2E9-4BE4-A7F8-AE34DEBE878F}"/>
+                <a16:creationId xmlns:a16="http://schemas.microsoft.com/office/drawing/2014/main" id="{489E675C-D2E9-4BE4-A7F8-AE34DEBE878F}"/>
               </a:ext>
             </a:extLst>
           </p:cNvPr>
@@ -9370,7 +9631,7 @@
           <p:nvPr>
             <p:extLst>
               <p:ext uri="{D42A27DB-BD31-4B8C-83A1-F6EECF244321}">
-                <p14:modId xmlns:p14="http://schemas.microsoft.com/office/powerpoint/2010/main" xmlns="" val="3606108634"/>
+                <p14:modId xmlns:p14="http://schemas.microsoft.com/office/powerpoint/2010/main" val="3606108634"/>
               </p:ext>
             </p:extLst>
           </p:nvPr>
@@ -9381,9 +9642,59 @@
         </p:xfrm>
         <a:graphic>
           <a:graphicData uri="http://schemas.openxmlformats.org/presentationml/2006/ole">
-            <p:oleObj spid="_x0000_s1027" name="Graph" r:id="rId5" imgW="5943600" imgH="4462200" progId="Statistica.Graph">
-              <p:embed/>
-            </p:oleObj>
+            <mc:AlternateContent xmlns:mc="http://schemas.openxmlformats.org/markup-compatibility/2006">
+              <mc:Choice xmlns:v="urn:schemas-microsoft-com:vml" Requires="v">
+                <p:oleObj spid="_x0000_s1029" name="Graph" r:id="rId6" imgW="5943600" imgH="4462200" progId="Statistica.Graph">
+                  <p:embed/>
+                </p:oleObj>
+              </mc:Choice>
+              <mc:Fallback>
+                <p:oleObj name="Graph" r:id="rId6" imgW="5943600" imgH="4462200" progId="Statistica.Graph">
+                  <p:embed/>
+                  <p:pic>
+                    <p:nvPicPr>
+                      <p:cNvPr id="0" name="Picture 3"/>
+                      <p:cNvPicPr>
+                        <a:picLocks noChangeAspect="1" noChangeArrowheads="1"/>
+                      </p:cNvPicPr>
+                      <p:nvPr/>
+                    </p:nvPicPr>
+                    <p:blipFill>
+                      <a:blip r:embed="rId7">
+                        <a:extLst>
+                          <a:ext uri="{28A0092B-C50C-407E-A947-70E740481C1C}">
+                            <a14:useLocalDpi xmlns:a14="http://schemas.microsoft.com/office/drawing/2010/main" val="0"/>
+                          </a:ext>
+                        </a:extLst>
+                      </a:blip>
+                      <a:srcRect/>
+                      <a:stretch>
+                        <a:fillRect/>
+                      </a:stretch>
+                    </p:blipFill>
+                    <p:spPr bwMode="auto">
+                      <a:xfrm>
+                        <a:off x="407679" y="256614"/>
+                        <a:ext cx="3644107" cy="2736000"/>
+                      </a:xfrm>
+                      <a:prstGeom prst="rect">
+                        <a:avLst/>
+                      </a:prstGeom>
+                      <a:noFill/>
+                      <a:extLst>
+                        <a:ext uri="{909E8E84-426E-40DD-AFC4-6F175D3DCCD1}">
+                          <a14:hiddenFill xmlns:a14="http://schemas.microsoft.com/office/drawing/2010/main">
+                            <a:solidFill>
+                              <a:srgbClr val="FFFFFF"/>
+                            </a:solidFill>
+                          </a14:hiddenFill>
+                        </a:ext>
+                      </a:extLst>
+                    </p:spPr>
+                  </p:pic>
+                </p:oleObj>
+              </mc:Fallback>
+            </mc:AlternateContent>
           </a:graphicData>
         </a:graphic>
       </p:graphicFrame>
@@ -9392,7 +9703,7 @@
           <p:cNvPr id="27" name="Grupa 26">
             <a:extLst>
               <a:ext uri="{FF2B5EF4-FFF2-40B4-BE49-F238E27FC236}">
-                <a16:creationId xmlns:a16="http://schemas.microsoft.com/office/drawing/2014/main" xmlns="" id="{2217D796-721D-4E2F-A570-D2EB58CAC3F2}"/>
+                <a16:creationId xmlns:a16="http://schemas.microsoft.com/office/drawing/2014/main" id="{2217D796-721D-4E2F-A570-D2EB58CAC3F2}"/>
               </a:ext>
             </a:extLst>
           </p:cNvPr>
@@ -9412,7 +9723,7 @@
             <p:cNvPr id="28" name="Łącznik prosty ze strzałką 27">
               <a:extLst>
                 <a:ext uri="{FF2B5EF4-FFF2-40B4-BE49-F238E27FC236}">
-                  <a16:creationId xmlns:a16="http://schemas.microsoft.com/office/drawing/2014/main" xmlns="" id="{4EA35BB9-0447-4BEE-8C3E-54110F4FA3F0}"/>
+                  <a16:creationId xmlns:a16="http://schemas.microsoft.com/office/drawing/2014/main" id="{4EA35BB9-0447-4BEE-8C3E-54110F4FA3F0}"/>
                 </a:ext>
               </a:extLst>
             </p:cNvPr>
@@ -9456,7 +9767,7 @@
             <p:cNvPr id="29" name="Łącznik prosty 28">
               <a:extLst>
                 <a:ext uri="{FF2B5EF4-FFF2-40B4-BE49-F238E27FC236}">
-                  <a16:creationId xmlns:a16="http://schemas.microsoft.com/office/drawing/2014/main" xmlns="" id="{69780187-51D2-4796-9820-AD7C572C9817}"/>
+                  <a16:creationId xmlns:a16="http://schemas.microsoft.com/office/drawing/2014/main" id="{69780187-51D2-4796-9820-AD7C572C9817}"/>
                 </a:ext>
               </a:extLst>
             </p:cNvPr>
@@ -9499,7 +9810,7 @@
             <p:cNvPr id="30" name="Łącznik prosty ze strzałką 29">
               <a:extLst>
                 <a:ext uri="{FF2B5EF4-FFF2-40B4-BE49-F238E27FC236}">
-                  <a16:creationId xmlns:a16="http://schemas.microsoft.com/office/drawing/2014/main" xmlns="" id="{E53C19C7-0A42-490B-AA98-6E196110C6AF}"/>
+                  <a16:creationId xmlns:a16="http://schemas.microsoft.com/office/drawing/2014/main" id="{E53C19C7-0A42-490B-AA98-6E196110C6AF}"/>
                 </a:ext>
               </a:extLst>
             </p:cNvPr>
@@ -9543,7 +9854,7 @@
             <p:cNvPr id="31" name="pole tekstowe 30">
               <a:extLst>
                 <a:ext uri="{FF2B5EF4-FFF2-40B4-BE49-F238E27FC236}">
-                  <a16:creationId xmlns:a16="http://schemas.microsoft.com/office/drawing/2014/main" xmlns="" id="{B86BB8DC-0F64-40AD-8CBF-26F2107B9807}"/>
+                  <a16:creationId xmlns:a16="http://schemas.microsoft.com/office/drawing/2014/main" id="{B86BB8DC-0F64-40AD-8CBF-26F2107B9807}"/>
                 </a:ext>
               </a:extLst>
             </p:cNvPr>
@@ -9579,7 +9890,7 @@
           <p:cNvPr id="33" name="Grupa 32">
             <a:extLst>
               <a:ext uri="{FF2B5EF4-FFF2-40B4-BE49-F238E27FC236}">
-                <a16:creationId xmlns:a16="http://schemas.microsoft.com/office/drawing/2014/main" xmlns="" id="{51F1E5BC-6999-4922-BB3C-2E286FFD5900}"/>
+                <a16:creationId xmlns:a16="http://schemas.microsoft.com/office/drawing/2014/main" id="{51F1E5BC-6999-4922-BB3C-2E286FFD5900}"/>
               </a:ext>
             </a:extLst>
           </p:cNvPr>
@@ -9599,7 +9910,7 @@
             <p:cNvPr id="34" name="Łącznik prosty ze strzałką 33">
               <a:extLst>
                 <a:ext uri="{FF2B5EF4-FFF2-40B4-BE49-F238E27FC236}">
-                  <a16:creationId xmlns:a16="http://schemas.microsoft.com/office/drawing/2014/main" xmlns="" id="{890860EF-825E-4186-977A-4CAD520D5709}"/>
+                  <a16:creationId xmlns:a16="http://schemas.microsoft.com/office/drawing/2014/main" id="{890860EF-825E-4186-977A-4CAD520D5709}"/>
                 </a:ext>
               </a:extLst>
             </p:cNvPr>
@@ -9643,7 +9954,7 @@
             <p:cNvPr id="35" name="Łącznik prosty 34">
               <a:extLst>
                 <a:ext uri="{FF2B5EF4-FFF2-40B4-BE49-F238E27FC236}">
-                  <a16:creationId xmlns:a16="http://schemas.microsoft.com/office/drawing/2014/main" xmlns="" id="{EBCE9FEE-4880-4B06-9500-548787858707}"/>
+                  <a16:creationId xmlns:a16="http://schemas.microsoft.com/office/drawing/2014/main" id="{EBCE9FEE-4880-4B06-9500-548787858707}"/>
                 </a:ext>
               </a:extLst>
             </p:cNvPr>
@@ -9686,7 +9997,7 @@
             <p:cNvPr id="36" name="Łącznik prosty ze strzałką 35">
               <a:extLst>
                 <a:ext uri="{FF2B5EF4-FFF2-40B4-BE49-F238E27FC236}">
-                  <a16:creationId xmlns:a16="http://schemas.microsoft.com/office/drawing/2014/main" xmlns="" id="{8D34F59A-34FF-4A82-A3F6-9F006CAB7AB9}"/>
+                  <a16:creationId xmlns:a16="http://schemas.microsoft.com/office/drawing/2014/main" id="{8D34F59A-34FF-4A82-A3F6-9F006CAB7AB9}"/>
                 </a:ext>
               </a:extLst>
             </p:cNvPr>
@@ -9730,7 +10041,7 @@
             <p:cNvPr id="37" name="pole tekstowe 36">
               <a:extLst>
                 <a:ext uri="{FF2B5EF4-FFF2-40B4-BE49-F238E27FC236}">
-                  <a16:creationId xmlns:a16="http://schemas.microsoft.com/office/drawing/2014/main" xmlns="" id="{01313A9D-F0B5-4096-B7BC-DFFB108DB8C9}"/>
+                  <a16:creationId xmlns:a16="http://schemas.microsoft.com/office/drawing/2014/main" id="{01313A9D-F0B5-4096-B7BC-DFFB108DB8C9}"/>
                 </a:ext>
               </a:extLst>
             </p:cNvPr>
@@ -9764,7 +10075,7 @@
     </p:spTree>
     <p:extLst>
       <p:ext uri="{BB962C8B-B14F-4D97-AF65-F5344CB8AC3E}">
-        <p14:creationId xmlns:p14="http://schemas.microsoft.com/office/powerpoint/2010/main" xmlns="" val="283562190"/>
+        <p14:creationId xmlns:p14="http://schemas.microsoft.com/office/powerpoint/2010/main" val="283562190"/>
       </p:ext>
     </p:extLst>
   </p:cSld>

--- a/1.2Czy-stan-zapalny-ma-wpływ-na-raka-płuca.pptx
+++ b/1.2Czy-stan-zapalny-ma-wpływ-na-raka-płuca.pptx
@@ -5,7 +5,7 @@
     <p:sldMasterId id="2147483648" r:id="rId1"/>
   </p:sldMasterIdLst>
   <p:notesMasterIdLst>
-    <p:notesMasterId r:id="rId18"/>
+    <p:notesMasterId r:id="rId17"/>
   </p:notesMasterIdLst>
   <p:sldIdLst>
     <p:sldId id="256" r:id="rId2"/>
@@ -17,13 +17,12 @@
     <p:sldId id="266" r:id="rId8"/>
     <p:sldId id="259" r:id="rId9"/>
     <p:sldId id="268" r:id="rId10"/>
-    <p:sldId id="269" r:id="rId11"/>
-    <p:sldId id="270" r:id="rId12"/>
-    <p:sldId id="271" r:id="rId13"/>
-    <p:sldId id="260" r:id="rId14"/>
-    <p:sldId id="263" r:id="rId15"/>
-    <p:sldId id="261" r:id="rId16"/>
-    <p:sldId id="264" r:id="rId17"/>
+    <p:sldId id="270" r:id="rId11"/>
+    <p:sldId id="271" r:id="rId12"/>
+    <p:sldId id="260" r:id="rId13"/>
+    <p:sldId id="263" r:id="rId14"/>
+    <p:sldId id="261" r:id="rId15"/>
+    <p:sldId id="264" r:id="rId16"/>
   </p:sldIdLst>
   <p:sldSz cx="9144000" cy="6858000" type="screen4x3"/>
   <p:notesSz cx="6858000" cy="9144000"/>
@@ -272,7 +271,7 @@
             <a:fld id="{A1F85679-1472-4A9B-97D7-E2DEB0129FB2}" type="datetimeFigureOut">
               <a:rPr lang="pl-PL" smtClean="0"/>
               <a:pPr/>
-              <a:t>04.12.2017</a:t>
+              <a:t>07.12.2017</a:t>
             </a:fld>
             <a:endParaRPr lang="pl-PL"/>
           </a:p>
@@ -695,7 +694,7 @@
             <a:fld id="{270659D2-8048-44B0-AB79-2B662D6F955D}" type="slidenum">
               <a:rPr lang="pl-PL" smtClean="0"/>
               <a:pPr/>
-              <a:t>12</a:t>
+              <a:t>11</a:t>
             </a:fld>
             <a:endParaRPr lang="pl-PL"/>
           </a:p>
@@ -782,7 +781,7 @@
             <a:fld id="{270659D2-8048-44B0-AB79-2B662D6F955D}" type="slidenum">
               <a:rPr lang="pl-PL" smtClean="0"/>
               <a:pPr/>
-              <a:t>15</a:t>
+              <a:t>14</a:t>
             </a:fld>
             <a:endParaRPr lang="pl-PL"/>
           </a:p>
@@ -1710,7 +1709,7 @@
           <a:bodyPr/>
           <a:lstStyle/>
           <a:p>
-            <a:endParaRPr lang="pl-PL" dirty="0"/>
+            <a:endParaRPr lang="en-GB" dirty="0"/>
           </a:p>
         </p:txBody>
       </p:sp>
@@ -1741,7 +1740,7 @@
     </p:spTree>
     <p:extLst>
       <p:ext uri="{BB962C8B-B14F-4D97-AF65-F5344CB8AC3E}">
-        <p14:creationId xmlns:p14="http://schemas.microsoft.com/office/powerpoint/2010/main" val="3128595230"/>
+        <p14:creationId xmlns:p14="http://schemas.microsoft.com/office/powerpoint/2010/main" val="1613449218"/>
       </p:ext>
     </p:extLst>
   </p:cSld>
@@ -1931,7 +1930,7 @@
             <a:fld id="{66221E02-25CB-4963-84BC-0813985E7D90}" type="datetimeFigureOut">
               <a:rPr lang="pl-PL" smtClean="0"/>
               <a:pPr/>
-              <a:t>04.12.2017</a:t>
+              <a:t>07.12.2017</a:t>
             </a:fld>
             <a:endParaRPr lang="pl-PL"/>
           </a:p>
@@ -2096,7 +2095,7 @@
             <a:fld id="{66221E02-25CB-4963-84BC-0813985E7D90}" type="datetimeFigureOut">
               <a:rPr lang="pl-PL" smtClean="0"/>
               <a:pPr/>
-              <a:t>04.12.2017</a:t>
+              <a:t>07.12.2017</a:t>
             </a:fld>
             <a:endParaRPr lang="pl-PL"/>
           </a:p>
@@ -2271,7 +2270,7 @@
             <a:fld id="{66221E02-25CB-4963-84BC-0813985E7D90}" type="datetimeFigureOut">
               <a:rPr lang="pl-PL" smtClean="0"/>
               <a:pPr/>
-              <a:t>04.12.2017</a:t>
+              <a:t>07.12.2017</a:t>
             </a:fld>
             <a:endParaRPr lang="pl-PL"/>
           </a:p>
@@ -2436,7 +2435,7 @@
             <a:fld id="{66221E02-25CB-4963-84BC-0813985E7D90}" type="datetimeFigureOut">
               <a:rPr lang="pl-PL" smtClean="0"/>
               <a:pPr/>
-              <a:t>04.12.2017</a:t>
+              <a:t>07.12.2017</a:t>
             </a:fld>
             <a:endParaRPr lang="pl-PL"/>
           </a:p>
@@ -2678,7 +2677,7 @@
             <a:fld id="{66221E02-25CB-4963-84BC-0813985E7D90}" type="datetimeFigureOut">
               <a:rPr lang="pl-PL" smtClean="0"/>
               <a:pPr/>
-              <a:t>04.12.2017</a:t>
+              <a:t>07.12.2017</a:t>
             </a:fld>
             <a:endParaRPr lang="pl-PL"/>
           </a:p>
@@ -2960,7 +2959,7 @@
             <a:fld id="{66221E02-25CB-4963-84BC-0813985E7D90}" type="datetimeFigureOut">
               <a:rPr lang="pl-PL" smtClean="0"/>
               <a:pPr/>
-              <a:t>04.12.2017</a:t>
+              <a:t>07.12.2017</a:t>
             </a:fld>
             <a:endParaRPr lang="pl-PL"/>
           </a:p>
@@ -3376,7 +3375,7 @@
             <a:fld id="{66221E02-25CB-4963-84BC-0813985E7D90}" type="datetimeFigureOut">
               <a:rPr lang="pl-PL" smtClean="0"/>
               <a:pPr/>
-              <a:t>04.12.2017</a:t>
+              <a:t>07.12.2017</a:t>
             </a:fld>
             <a:endParaRPr lang="pl-PL"/>
           </a:p>
@@ -3490,7 +3489,7 @@
             <a:fld id="{66221E02-25CB-4963-84BC-0813985E7D90}" type="datetimeFigureOut">
               <a:rPr lang="pl-PL" smtClean="0"/>
               <a:pPr/>
-              <a:t>04.12.2017</a:t>
+              <a:t>07.12.2017</a:t>
             </a:fld>
             <a:endParaRPr lang="pl-PL"/>
           </a:p>
@@ -3582,7 +3581,7 @@
             <a:fld id="{66221E02-25CB-4963-84BC-0813985E7D90}" type="datetimeFigureOut">
               <a:rPr lang="pl-PL" smtClean="0"/>
               <a:pPr/>
-              <a:t>04.12.2017</a:t>
+              <a:t>07.12.2017</a:t>
             </a:fld>
             <a:endParaRPr lang="pl-PL"/>
           </a:p>
@@ -3854,7 +3853,7 @@
             <a:fld id="{66221E02-25CB-4963-84BC-0813985E7D90}" type="datetimeFigureOut">
               <a:rPr lang="pl-PL" smtClean="0"/>
               <a:pPr/>
-              <a:t>04.12.2017</a:t>
+              <a:t>07.12.2017</a:t>
             </a:fld>
             <a:endParaRPr lang="pl-PL"/>
           </a:p>
@@ -4103,7 +4102,7 @@
             <a:fld id="{66221E02-25CB-4963-84BC-0813985E7D90}" type="datetimeFigureOut">
               <a:rPr lang="pl-PL" smtClean="0"/>
               <a:pPr/>
-              <a:t>04.12.2017</a:t>
+              <a:t>07.12.2017</a:t>
             </a:fld>
             <a:endParaRPr lang="pl-PL"/>
           </a:p>
@@ -4311,7 +4310,7 @@
             <a:fld id="{66221E02-25CB-4963-84BC-0813985E7D90}" type="datetimeFigureOut">
               <a:rPr lang="pl-PL" smtClean="0"/>
               <a:pPr/>
-              <a:t>04.12.2017</a:t>
+              <a:t>07.12.2017</a:t>
             </a:fld>
             <a:endParaRPr lang="pl-PL"/>
           </a:p>
@@ -4872,12 +4871,260 @@
           <a:chExt cx="0" cy="0"/>
         </a:xfrm>
       </p:grpSpPr>
+      <p:sp>
+        <p:nvSpPr>
+          <p:cNvPr id="7" name="pole tekstowe 6">
+            <a:extLst>
+              <a:ext uri="{FF2B5EF4-FFF2-40B4-BE49-F238E27FC236}">
+                <a16:creationId xmlns:a16="http://schemas.microsoft.com/office/drawing/2014/main" id="{0FDDEAE6-85FE-4F39-8D84-9E252DD4B391}"/>
+              </a:ext>
+            </a:extLst>
+          </p:cNvPr>
+          <p:cNvSpPr txBox="1"/>
+          <p:nvPr/>
+        </p:nvSpPr>
+        <p:spPr>
+          <a:xfrm>
+            <a:off x="210468" y="3643559"/>
+            <a:ext cx="4345879" cy="923330"/>
+          </a:xfrm>
+          <a:prstGeom prst="rect">
+            <a:avLst/>
+          </a:prstGeom>
+          <a:noFill/>
+        </p:spPr>
+        <p:txBody>
+          <a:bodyPr wrap="square" rtlCol="0">
+            <a:spAutoFit/>
+          </a:bodyPr>
+          <a:lstStyle/>
+          <a:p>
+            <a:r>
+              <a:rPr lang="en-US" b="1" dirty="0" err="1"/>
+              <a:t>Ryc</a:t>
+            </a:r>
+            <a:r>
+              <a:rPr lang="en-US" b="1" dirty="0"/>
+              <a:t>. 4 </a:t>
+            </a:r>
+            <a:r>
+              <a:rPr lang="en-US" dirty="0" err="1"/>
+              <a:t>Korelacja</a:t>
+            </a:r>
+            <a:r>
+              <a:rPr lang="en-US" dirty="0"/>
+              <a:t> </a:t>
+            </a:r>
+            <a:r>
+              <a:rPr lang="en-US" dirty="0" err="1"/>
+              <a:t>między</a:t>
+            </a:r>
+            <a:r>
+              <a:rPr lang="en-US" dirty="0"/>
+              <a:t> </a:t>
+            </a:r>
+            <a:r>
+              <a:rPr lang="en-US" dirty="0" err="1"/>
+              <a:t>liczbą</a:t>
+            </a:r>
+            <a:r>
+              <a:rPr lang="en-US" dirty="0"/>
+              <a:t> </a:t>
+            </a:r>
+            <a:r>
+              <a:rPr lang="en-US" dirty="0" err="1"/>
+              <a:t>paczkolat</a:t>
+            </a:r>
+            <a:r>
+              <a:rPr lang="en-US" dirty="0"/>
+              <a:t>         </a:t>
+            </a:r>
+            <a:r>
+              <a:rPr lang="en-US" dirty="0" err="1"/>
+              <a:t>i</a:t>
+            </a:r>
+            <a:r>
+              <a:rPr lang="en-US" dirty="0"/>
+              <a:t> </a:t>
+            </a:r>
+            <a:r>
+              <a:rPr lang="en-US" dirty="0" err="1"/>
+              <a:t>ekspresją</a:t>
+            </a:r>
+            <a:r>
+              <a:rPr lang="en-US" dirty="0"/>
+              <a:t> IL-1b </a:t>
+            </a:r>
+            <a:r>
+              <a:rPr lang="en-US" dirty="0" err="1"/>
+              <a:t>przed</a:t>
+            </a:r>
+            <a:r>
+              <a:rPr lang="en-US" dirty="0"/>
+              <a:t> </a:t>
+            </a:r>
+            <a:r>
+              <a:rPr lang="en-US" dirty="0" err="1"/>
+              <a:t>operacją</a:t>
+            </a:r>
+            <a:r>
+              <a:rPr lang="en-US" dirty="0"/>
+              <a:t> </a:t>
+            </a:r>
+            <a:r>
+              <a:rPr lang="en-US" b="1" dirty="0"/>
+              <a:t>(p=0,03;    r=-0,41; </a:t>
+            </a:r>
+            <a:r>
+              <a:rPr lang="en-US" b="1" dirty="0" err="1"/>
+              <a:t>korelacja</a:t>
+            </a:r>
+            <a:r>
+              <a:rPr lang="en-US" b="1" dirty="0"/>
+              <a:t> rang </a:t>
+            </a:r>
+            <a:r>
+              <a:rPr lang="en-US" b="1" dirty="0" err="1"/>
+              <a:t>Spearmana</a:t>
+            </a:r>
+            <a:r>
+              <a:rPr lang="en-US" b="1" dirty="0"/>
+              <a:t>)</a:t>
+            </a:r>
+            <a:endParaRPr lang="pl-PL" b="1" dirty="0"/>
+          </a:p>
+        </p:txBody>
+      </p:sp>
+      <p:sp>
+        <p:nvSpPr>
+          <p:cNvPr id="8" name="pole tekstowe 7">
+            <a:extLst>
+              <a:ext uri="{FF2B5EF4-FFF2-40B4-BE49-F238E27FC236}">
+                <a16:creationId xmlns:a16="http://schemas.microsoft.com/office/drawing/2014/main" id="{A8F4C059-1BC2-45D7-84D5-75E411D066D7}"/>
+              </a:ext>
+            </a:extLst>
+          </p:cNvPr>
+          <p:cNvSpPr txBox="1"/>
+          <p:nvPr/>
+        </p:nvSpPr>
+        <p:spPr>
+          <a:xfrm>
+            <a:off x="4932040" y="5660864"/>
+            <a:ext cx="4345879" cy="923330"/>
+          </a:xfrm>
+          <a:prstGeom prst="rect">
+            <a:avLst/>
+          </a:prstGeom>
+          <a:noFill/>
+        </p:spPr>
+        <p:txBody>
+          <a:bodyPr wrap="square" rtlCol="0">
+            <a:spAutoFit/>
+          </a:bodyPr>
+          <a:lstStyle/>
+          <a:p>
+            <a:r>
+              <a:rPr lang="en-US" b="1" dirty="0" err="1"/>
+              <a:t>Ryc</a:t>
+            </a:r>
+            <a:r>
+              <a:rPr lang="en-US" b="1" dirty="0"/>
+              <a:t>. 5 </a:t>
+            </a:r>
+            <a:r>
+              <a:rPr lang="en-US" dirty="0" err="1"/>
+              <a:t>Korelacja</a:t>
+            </a:r>
+            <a:r>
+              <a:rPr lang="en-US" dirty="0"/>
+              <a:t> </a:t>
+            </a:r>
+            <a:r>
+              <a:rPr lang="en-US" dirty="0" err="1"/>
+              <a:t>między</a:t>
+            </a:r>
+            <a:r>
+              <a:rPr lang="en-US" dirty="0"/>
+              <a:t> </a:t>
+            </a:r>
+            <a:r>
+              <a:rPr lang="en-US" dirty="0" err="1"/>
+              <a:t>liczbą</a:t>
+            </a:r>
+            <a:r>
+              <a:rPr lang="en-US" dirty="0"/>
+              <a:t> </a:t>
+            </a:r>
+            <a:r>
+              <a:rPr lang="en-US" dirty="0" err="1"/>
+              <a:t>paczkolat</a:t>
+            </a:r>
+            <a:r>
+              <a:rPr lang="en-US" dirty="0"/>
+              <a:t>         </a:t>
+            </a:r>
+            <a:r>
+              <a:rPr lang="en-US" dirty="0" err="1"/>
+              <a:t>i</a:t>
+            </a:r>
+            <a:r>
+              <a:rPr lang="en-US" dirty="0"/>
+              <a:t> </a:t>
+            </a:r>
+            <a:r>
+              <a:rPr lang="en-US" dirty="0" err="1"/>
+              <a:t>ekspresją</a:t>
+            </a:r>
+            <a:r>
+              <a:rPr lang="en-US" dirty="0"/>
+              <a:t> IL-6 </a:t>
+            </a:r>
+            <a:r>
+              <a:rPr lang="en-US" dirty="0" err="1"/>
+              <a:t>przed</a:t>
+            </a:r>
+            <a:r>
+              <a:rPr lang="en-US" dirty="0"/>
+              <a:t> </a:t>
+            </a:r>
+            <a:r>
+              <a:rPr lang="en-US" dirty="0" err="1"/>
+              <a:t>operacją</a:t>
+            </a:r>
+            <a:r>
+              <a:rPr lang="en-US" dirty="0"/>
+              <a:t> </a:t>
+            </a:r>
+            <a:r>
+              <a:rPr lang="en-US" b="1" dirty="0"/>
+              <a:t>(p=0,001;      r=-0,56; </a:t>
+            </a:r>
+            <a:r>
+              <a:rPr lang="en-US" b="1" dirty="0" err="1"/>
+              <a:t>korelacja</a:t>
+            </a:r>
+            <a:r>
+              <a:rPr lang="en-US" b="1" dirty="0"/>
+              <a:t> rang </a:t>
+            </a:r>
+            <a:r>
+              <a:rPr lang="en-US" b="1" dirty="0" err="1"/>
+              <a:t>Spearmana</a:t>
+            </a:r>
+            <a:r>
+              <a:rPr lang="en-US" b="1" dirty="0"/>
+              <a:t>)</a:t>
+            </a:r>
+            <a:endParaRPr lang="pl-PL" b="1" dirty="0"/>
+          </a:p>
+        </p:txBody>
+      </p:sp>
       <p:graphicFrame>
         <p:nvGraphicFramePr>
-          <p:cNvPr id="4" name="Obiekt 3">
+          <p:cNvPr id="2" name="Obiekt 1">
             <a:extLst>
               <a:ext uri="{FF2B5EF4-FFF2-40B4-BE49-F238E27FC236}">
-                <a16:creationId xmlns:a16="http://schemas.microsoft.com/office/drawing/2014/main" id="{DB4BF6E1-1AB0-4ACF-AD06-7989FACE01D2}"/>
+                <a16:creationId xmlns:a16="http://schemas.microsoft.com/office/drawing/2014/main" id="{F81CA7E2-0CD6-44C0-AC83-19CBB09348DB}"/>
               </a:ext>
             </a:extLst>
           </p:cNvPr>
@@ -4887,20 +5134,20 @@
           <p:nvPr>
             <p:extLst>
               <p:ext uri="{D42A27DB-BD31-4B8C-83A1-F6EECF244321}">
-                <p14:modId xmlns:p14="http://schemas.microsoft.com/office/powerpoint/2010/main" val="2390177982"/>
+                <p14:modId xmlns:p14="http://schemas.microsoft.com/office/powerpoint/2010/main" val="778868618"/>
               </p:ext>
             </p:extLst>
           </p:nvPr>
         </p:nvGraphicFramePr>
         <p:xfrm>
-          <a:off x="975590" y="260648"/>
-          <a:ext cx="7192819" cy="5400377"/>
+          <a:off x="30496" y="203191"/>
+          <a:ext cx="4603083" cy="3456000"/>
         </p:xfrm>
         <a:graphic>
           <a:graphicData uri="http://schemas.openxmlformats.org/presentationml/2006/ole">
             <mc:AlternateContent xmlns:mc="http://schemas.openxmlformats.org/markup-compatibility/2006">
               <mc:Choice xmlns:v="urn:schemas-microsoft-com:vml" Requires="v">
-                <p:oleObj spid="_x0000_s2051" name="Graph" r:id="rId4" imgW="5943600" imgH="4462200" progId="Statistica.Graph">
+                <p:oleObj spid="_x0000_s3082" name="Graph" r:id="rId4" imgW="5943600" imgH="4462200" progId="Statistica.Graph">
                   <p:embed/>
                 </p:oleObj>
               </mc:Choice>
@@ -4909,43 +5156,24 @@
                   <p:embed/>
                   <p:pic>
                     <p:nvPicPr>
-                      <p:cNvPr id="0" name="Picture 2"/>
-                      <p:cNvPicPr>
-                        <a:picLocks noChangeAspect="1" noChangeArrowheads="1"/>
-                      </p:cNvPicPr>
+                      <p:cNvPr id="0" name=""/>
+                      <p:cNvPicPr/>
                       <p:nvPr/>
                     </p:nvPicPr>
                     <p:blipFill>
-                      <a:blip r:embed="rId5">
-                        <a:extLst>
-                          <a:ext uri="{28A0092B-C50C-407E-A947-70E740481C1C}">
-                            <a14:useLocalDpi xmlns:a14="http://schemas.microsoft.com/office/drawing/2010/main" val="0"/>
-                          </a:ext>
-                        </a:extLst>
-                      </a:blip>
-                      <a:srcRect/>
+                      <a:blip r:embed="rId5"/>
                       <a:stretch>
                         <a:fillRect/>
                       </a:stretch>
                     </p:blipFill>
-                    <p:spPr bwMode="auto">
+                    <p:spPr>
                       <a:xfrm>
-                        <a:off x="975590" y="260648"/>
-                        <a:ext cx="7192819" cy="5400377"/>
+                        <a:off x="30496" y="203191"/>
+                        <a:ext cx="4603083" cy="3456000"/>
                       </a:xfrm>
                       <a:prstGeom prst="rect">
                         <a:avLst/>
                       </a:prstGeom>
-                      <a:noFill/>
-                      <a:extLst>
-                        <a:ext uri="{909E8E84-426E-40DD-AFC4-6F175D3DCCD1}">
-                          <a14:hiddenFill xmlns:a14="http://schemas.microsoft.com/office/drawing/2010/main">
-                            <a:solidFill>
-                              <a:srgbClr val="FFFFFF"/>
-                            </a:solidFill>
-                          </a14:hiddenFill>
-                        </a:ext>
-                      </a:extLst>
                     </p:spPr>
                   </p:pic>
                 </p:oleObj>
@@ -4954,305 +5182,73 @@
           </a:graphicData>
         </a:graphic>
       </p:graphicFrame>
-      <p:sp>
-        <p:nvSpPr>
-          <p:cNvPr id="5" name="pole tekstowe 4">
+      <p:graphicFrame>
+        <p:nvGraphicFramePr>
+          <p:cNvPr id="3" name="Obiekt 2">
             <a:extLst>
               <a:ext uri="{FF2B5EF4-FFF2-40B4-BE49-F238E27FC236}">
-                <a16:creationId xmlns:a16="http://schemas.microsoft.com/office/drawing/2014/main" id="{A1E5C000-C152-48E1-9E5F-73C9F959E9B7}"/>
+                <a16:creationId xmlns:a16="http://schemas.microsoft.com/office/drawing/2014/main" id="{D5F5F94E-F578-41F9-9472-4B3C3CDE8F42}"/>
               </a:ext>
             </a:extLst>
           </p:cNvPr>
-          <p:cNvSpPr txBox="1"/>
-          <p:nvPr/>
-        </p:nvSpPr>
-        <p:spPr>
-          <a:xfrm>
-            <a:off x="1187624" y="5877272"/>
-            <a:ext cx="7292280" cy="646331"/>
-          </a:xfrm>
-          <a:prstGeom prst="rect">
-            <a:avLst/>
-          </a:prstGeom>
-          <a:noFill/>
-        </p:spPr>
-        <p:txBody>
-          <a:bodyPr wrap="square" rtlCol="0">
-            <a:spAutoFit/>
-          </a:bodyPr>
-          <a:lstStyle/>
-          <a:p>
-            <a:r>
-              <a:rPr lang="en-US" b="1" dirty="0" err="1"/>
-              <a:t>Ryc</a:t>
-            </a:r>
-            <a:r>
-              <a:rPr lang="en-US" b="1" dirty="0"/>
-              <a:t>. 3 </a:t>
-            </a:r>
-            <a:r>
-              <a:rPr lang="en-US" dirty="0" err="1"/>
-              <a:t>Różnice</a:t>
-            </a:r>
-            <a:r>
-              <a:rPr lang="en-US" dirty="0"/>
-              <a:t> </a:t>
-            </a:r>
-            <a:r>
-              <a:rPr lang="en-US" dirty="0" err="1"/>
-              <a:t>między</a:t>
-            </a:r>
-            <a:r>
-              <a:rPr lang="en-US" dirty="0"/>
-              <a:t> 1 a 2  </a:t>
-            </a:r>
-            <a:r>
-              <a:rPr lang="en-US" dirty="0" err="1"/>
-              <a:t>stopniem</a:t>
-            </a:r>
-            <a:r>
-              <a:rPr lang="en-US" dirty="0"/>
-              <a:t> </a:t>
-            </a:r>
-            <a:r>
-              <a:rPr lang="en-US" dirty="0" err="1"/>
-              <a:t>rozwoju</a:t>
-            </a:r>
-            <a:r>
-              <a:rPr lang="en-US" dirty="0"/>
-              <a:t> </a:t>
-            </a:r>
-            <a:r>
-              <a:rPr lang="en-US" dirty="0" err="1"/>
-              <a:t>guza</a:t>
-            </a:r>
-            <a:r>
-              <a:rPr lang="en-US" dirty="0"/>
-              <a:t> (</a:t>
-            </a:r>
-            <a:r>
-              <a:rPr lang="en-US" dirty="0" err="1"/>
-              <a:t>cT</a:t>
-            </a:r>
-            <a:r>
-              <a:rPr lang="en-US" dirty="0"/>
-              <a:t>) w </a:t>
-            </a:r>
-            <a:r>
-              <a:rPr lang="en-US" dirty="0" err="1"/>
-              <a:t>skali</a:t>
-            </a:r>
-            <a:r>
-              <a:rPr lang="en-US" dirty="0"/>
-              <a:t> </a:t>
-            </a:r>
-            <a:r>
-              <a:rPr lang="en-US" dirty="0" err="1"/>
-              <a:t>cTNM</a:t>
-            </a:r>
-            <a:r>
-              <a:rPr lang="en-US" dirty="0"/>
-              <a:t> </a:t>
-            </a:r>
-            <a:r>
-              <a:rPr lang="en-US" b="1" dirty="0"/>
-              <a:t>(p&lt;0,001; test UM-W)</a:t>
-            </a:r>
-            <a:endParaRPr lang="pl-PL" b="1" dirty="0"/>
-          </a:p>
-        </p:txBody>
-      </p:sp>
-      <p:grpSp>
-        <p:nvGrpSpPr>
-          <p:cNvPr id="6" name="Grupa 5">
-            <a:extLst>
-              <a:ext uri="{FF2B5EF4-FFF2-40B4-BE49-F238E27FC236}">
-                <a16:creationId xmlns:a16="http://schemas.microsoft.com/office/drawing/2014/main" id="{F752E251-F4B7-458F-8D12-B5E707D15DF6}"/>
-              </a:ext>
-            </a:extLst>
-          </p:cNvPr>
-          <p:cNvGrpSpPr/>
-          <p:nvPr/>
-        </p:nvGrpSpPr>
-        <p:grpSpPr>
-          <a:xfrm>
-            <a:off x="3493416" y="-99394"/>
-            <a:ext cx="3096346" cy="4680522"/>
-            <a:chOff x="8038" y="4072715"/>
-            <a:chExt cx="1892211" cy="4055974"/>
-          </a:xfrm>
-        </p:grpSpPr>
-        <p:cxnSp>
-          <p:nvCxnSpPr>
-            <p:cNvPr id="7" name="Łącznik prosty ze strzałką 6">
-              <a:extLst>
-                <a:ext uri="{FF2B5EF4-FFF2-40B4-BE49-F238E27FC236}">
-                  <a16:creationId xmlns:a16="http://schemas.microsoft.com/office/drawing/2014/main" id="{92D2A6CA-BE84-44E6-A1C9-6F8433352B31}"/>
-                </a:ext>
-              </a:extLst>
-            </p:cNvPr>
-            <p:cNvCxnSpPr>
-              <a:cxnSpLocks/>
-            </p:cNvCxnSpPr>
-            <p:nvPr/>
-          </p:nvCxnSpPr>
-          <p:spPr>
-            <a:xfrm>
-              <a:off x="8038" y="4365104"/>
-              <a:ext cx="0" cy="456405"/>
-            </a:xfrm>
-            <a:prstGeom prst="straightConnector1">
-              <a:avLst/>
-            </a:prstGeom>
-            <a:ln>
-              <a:solidFill>
-                <a:schemeClr val="tx1"/>
-              </a:solidFill>
-              <a:tailEnd type="triangle"/>
-            </a:ln>
-          </p:spPr>
-          <p:style>
-            <a:lnRef idx="1">
-              <a:schemeClr val="accent1"/>
-            </a:lnRef>
-            <a:fillRef idx="0">
-              <a:schemeClr val="accent1"/>
-            </a:fillRef>
-            <a:effectRef idx="0">
-              <a:schemeClr val="accent1"/>
-            </a:effectRef>
-            <a:fontRef idx="minor">
-              <a:schemeClr val="tx1"/>
-            </a:fontRef>
-          </p:style>
-        </p:cxnSp>
-        <p:cxnSp>
-          <p:nvCxnSpPr>
-            <p:cNvPr id="8" name="Łącznik prosty 7">
-              <a:extLst>
-                <a:ext uri="{FF2B5EF4-FFF2-40B4-BE49-F238E27FC236}">
-                  <a16:creationId xmlns:a16="http://schemas.microsoft.com/office/drawing/2014/main" id="{64A97CF4-A20E-40E3-89CE-3E4766229136}"/>
-                </a:ext>
-              </a:extLst>
-            </p:cNvPr>
-            <p:cNvCxnSpPr>
-              <a:cxnSpLocks/>
-            </p:cNvCxnSpPr>
-            <p:nvPr/>
-          </p:nvCxnSpPr>
-          <p:spPr>
-            <a:xfrm>
-              <a:off x="8038" y="4365104"/>
-              <a:ext cx="1892211" cy="0"/>
-            </a:xfrm>
-            <a:prstGeom prst="line">
-              <a:avLst/>
-            </a:prstGeom>
-            <a:ln>
-              <a:solidFill>
-                <a:schemeClr val="tx1"/>
-              </a:solidFill>
-            </a:ln>
-          </p:spPr>
-          <p:style>
-            <a:lnRef idx="1">
-              <a:schemeClr val="accent1"/>
-            </a:lnRef>
-            <a:fillRef idx="0">
-              <a:schemeClr val="accent1"/>
-            </a:fillRef>
-            <a:effectRef idx="0">
-              <a:schemeClr val="accent1"/>
-            </a:effectRef>
-            <a:fontRef idx="minor">
-              <a:schemeClr val="tx1"/>
-            </a:fontRef>
-          </p:style>
-        </p:cxnSp>
-        <p:cxnSp>
-          <p:nvCxnSpPr>
-            <p:cNvPr id="9" name="Łącznik prosty ze strzałką 8">
-              <a:extLst>
-                <a:ext uri="{FF2B5EF4-FFF2-40B4-BE49-F238E27FC236}">
-                  <a16:creationId xmlns:a16="http://schemas.microsoft.com/office/drawing/2014/main" id="{6A788D0B-610D-40D9-B533-B8ED7C89CFD0}"/>
-                </a:ext>
-              </a:extLst>
-            </p:cNvPr>
-            <p:cNvCxnSpPr>
-              <a:cxnSpLocks/>
-            </p:cNvCxnSpPr>
-            <p:nvPr/>
-          </p:nvCxnSpPr>
-          <p:spPr>
-            <a:xfrm>
-              <a:off x="1899310" y="4365104"/>
-              <a:ext cx="0" cy="3763585"/>
-            </a:xfrm>
-            <a:prstGeom prst="straightConnector1">
-              <a:avLst/>
-            </a:prstGeom>
-            <a:ln>
-              <a:solidFill>
-                <a:schemeClr val="tx1"/>
-              </a:solidFill>
-              <a:tailEnd type="triangle"/>
-            </a:ln>
-          </p:spPr>
-          <p:style>
-            <a:lnRef idx="1">
-              <a:schemeClr val="accent1"/>
-            </a:lnRef>
-            <a:fillRef idx="0">
-              <a:schemeClr val="accent1"/>
-            </a:fillRef>
-            <a:effectRef idx="0">
-              <a:schemeClr val="accent1"/>
-            </a:effectRef>
-            <a:fontRef idx="minor">
-              <a:schemeClr val="tx1"/>
-            </a:fontRef>
-          </p:style>
-        </p:cxnSp>
-        <p:sp>
-          <p:nvSpPr>
-            <p:cNvPr id="10" name="pole tekstowe 9">
-              <a:extLst>
-                <a:ext uri="{FF2B5EF4-FFF2-40B4-BE49-F238E27FC236}">
-                  <a16:creationId xmlns:a16="http://schemas.microsoft.com/office/drawing/2014/main" id="{4E91CE54-DDA0-4842-9E5B-63A6DEE794C3}"/>
-                </a:ext>
-              </a:extLst>
-            </p:cNvPr>
-            <p:cNvSpPr txBox="1"/>
-            <p:nvPr/>
-          </p:nvSpPr>
-          <p:spPr>
-            <a:xfrm>
-              <a:off x="771986" y="4072715"/>
-              <a:ext cx="216022" cy="584775"/>
-            </a:xfrm>
-            <a:prstGeom prst="rect">
-              <a:avLst/>
-            </a:prstGeom>
-            <a:noFill/>
-          </p:spPr>
-          <p:txBody>
-            <a:bodyPr wrap="square" rtlCol="0">
-              <a:spAutoFit/>
-            </a:bodyPr>
-            <a:lstStyle/>
-            <a:p>
-              <a:r>
-                <a:rPr lang="en-US" sz="3200" dirty="0"/>
-                <a:t>*</a:t>
-              </a:r>
-            </a:p>
-          </p:txBody>
-        </p:sp>
-      </p:grpSp>
+          <p:cNvGraphicFramePr>
+            <a:graphicFrameLocks noChangeAspect="1"/>
+          </p:cNvGraphicFramePr>
+          <p:nvPr>
+            <p:extLst>
+              <p:ext uri="{D42A27DB-BD31-4B8C-83A1-F6EECF244321}">
+                <p14:modId xmlns:p14="http://schemas.microsoft.com/office/powerpoint/2010/main" val="2338629271"/>
+              </p:ext>
+            </p:extLst>
+          </p:nvPr>
+        </p:nvGraphicFramePr>
+        <p:xfrm>
+          <a:off x="4330449" y="2204864"/>
+          <a:ext cx="4603083" cy="3456000"/>
+        </p:xfrm>
+        <a:graphic>
+          <a:graphicData uri="http://schemas.openxmlformats.org/presentationml/2006/ole">
+            <mc:AlternateContent xmlns:mc="http://schemas.openxmlformats.org/markup-compatibility/2006">
+              <mc:Choice xmlns:v="urn:schemas-microsoft-com:vml" Requires="v">
+                <p:oleObj spid="_x0000_s3083" name="Graph" r:id="rId6" imgW="5943600" imgH="4462200" progId="Statistica.Graph">
+                  <p:embed/>
+                </p:oleObj>
+              </mc:Choice>
+              <mc:Fallback>
+                <p:oleObj name="Graph" r:id="rId6" imgW="5943600" imgH="4462200" progId="Statistica.Graph">
+                  <p:embed/>
+                  <p:pic>
+                    <p:nvPicPr>
+                      <p:cNvPr id="0" name=""/>
+                      <p:cNvPicPr/>
+                      <p:nvPr/>
+                    </p:nvPicPr>
+                    <p:blipFill>
+                      <a:blip r:embed="rId7"/>
+                      <a:stretch>
+                        <a:fillRect/>
+                      </a:stretch>
+                    </p:blipFill>
+                    <p:spPr>
+                      <a:xfrm>
+                        <a:off x="4330449" y="2204864"/>
+                        <a:ext cx="4603083" cy="3456000"/>
+                      </a:xfrm>
+                      <a:prstGeom prst="rect">
+                        <a:avLst/>
+                      </a:prstGeom>
+                    </p:spPr>
+                  </p:pic>
+                </p:oleObj>
+              </mc:Fallback>
+            </mc:AlternateContent>
+          </a:graphicData>
+        </a:graphic>
+      </p:graphicFrame>
     </p:spTree>
     <p:extLst>
       <p:ext uri="{BB962C8B-B14F-4D97-AF65-F5344CB8AC3E}">
-        <p14:creationId xmlns:p14="http://schemas.microsoft.com/office/powerpoint/2010/main" val="3368507998"/>
+        <p14:creationId xmlns:p14="http://schemas.microsoft.com/office/powerpoint/2010/main" val="2318443513"/>
       </p:ext>
     </p:extLst>
   </p:cSld>
@@ -5279,530 +5275,6 @@
           <a:chExt cx="0" cy="0"/>
         </a:xfrm>
       </p:grpSpPr>
-      <p:graphicFrame>
-        <p:nvGraphicFramePr>
-          <p:cNvPr id="5" name="Obiekt 4">
-            <a:extLst>
-              <a:ext uri="{FF2B5EF4-FFF2-40B4-BE49-F238E27FC236}">
-                <a16:creationId xmlns:a16="http://schemas.microsoft.com/office/drawing/2014/main" id="{4B91BE1E-2189-4A20-9818-5501BB925C0F}"/>
-              </a:ext>
-            </a:extLst>
-          </p:cNvPr>
-          <p:cNvGraphicFramePr>
-            <a:graphicFrameLocks noChangeAspect="1"/>
-          </p:cNvGraphicFramePr>
-          <p:nvPr>
-            <p:extLst>
-              <p:ext uri="{D42A27DB-BD31-4B8C-83A1-F6EECF244321}">
-                <p14:modId xmlns:p14="http://schemas.microsoft.com/office/powerpoint/2010/main" val="1121365870"/>
-              </p:ext>
-            </p:extLst>
-          </p:nvPr>
-        </p:nvGraphicFramePr>
-        <p:xfrm>
-          <a:off x="-2" y="116632"/>
-          <a:ext cx="4603084" cy="3456000"/>
-        </p:xfrm>
-        <a:graphic>
-          <a:graphicData uri="http://schemas.openxmlformats.org/presentationml/2006/ole">
-            <mc:AlternateContent xmlns:mc="http://schemas.openxmlformats.org/markup-compatibility/2006">
-              <mc:Choice xmlns:v="urn:schemas-microsoft-com:vml" Requires="v">
-                <p:oleObj spid="_x0000_s3076" name="Graph" r:id="rId3" imgW="5943600" imgH="4462200" progId="Statistica.Graph">
-                  <p:embed/>
-                </p:oleObj>
-              </mc:Choice>
-              <mc:Fallback>
-                <p:oleObj name="Graph" r:id="rId3" imgW="5943600" imgH="4462200" progId="Statistica.Graph">
-                  <p:embed/>
-                  <p:pic>
-                    <p:nvPicPr>
-                      <p:cNvPr id="0" name="Picture 2"/>
-                      <p:cNvPicPr>
-                        <a:picLocks noChangeAspect="1" noChangeArrowheads="1"/>
-                      </p:cNvPicPr>
-                      <p:nvPr/>
-                    </p:nvPicPr>
-                    <p:blipFill>
-                      <a:blip r:embed="rId4">
-                        <a:extLst>
-                          <a:ext uri="{28A0092B-C50C-407E-A947-70E740481C1C}">
-                            <a14:useLocalDpi xmlns:a14="http://schemas.microsoft.com/office/drawing/2010/main" val="0"/>
-                          </a:ext>
-                        </a:extLst>
-                      </a:blip>
-                      <a:srcRect/>
-                      <a:stretch>
-                        <a:fillRect/>
-                      </a:stretch>
-                    </p:blipFill>
-                    <p:spPr bwMode="auto">
-                      <a:xfrm>
-                        <a:off x="-2" y="116632"/>
-                        <a:ext cx="4603084" cy="3456000"/>
-                      </a:xfrm>
-                      <a:prstGeom prst="rect">
-                        <a:avLst/>
-                      </a:prstGeom>
-                      <a:noFill/>
-                      <a:extLst>
-                        <a:ext uri="{909E8E84-426E-40DD-AFC4-6F175D3DCCD1}">
-                          <a14:hiddenFill xmlns:a14="http://schemas.microsoft.com/office/drawing/2010/main">
-                            <a:solidFill>
-                              <a:srgbClr val="FFFFFF"/>
-                            </a:solidFill>
-                          </a14:hiddenFill>
-                        </a:ext>
-                      </a:extLst>
-                    </p:spPr>
-                  </p:pic>
-                </p:oleObj>
-              </mc:Fallback>
-            </mc:AlternateContent>
-          </a:graphicData>
-        </a:graphic>
-      </p:graphicFrame>
-      <p:graphicFrame>
-        <p:nvGraphicFramePr>
-          <p:cNvPr id="6" name="Obiekt 5">
-            <a:extLst>
-              <a:ext uri="{FF2B5EF4-FFF2-40B4-BE49-F238E27FC236}">
-                <a16:creationId xmlns:a16="http://schemas.microsoft.com/office/drawing/2014/main" id="{91E00BDE-7CC1-40DF-9390-981A9B505E05}"/>
-              </a:ext>
-            </a:extLst>
-          </p:cNvPr>
-          <p:cNvGraphicFramePr>
-            <a:graphicFrameLocks noChangeAspect="1"/>
-          </p:cNvGraphicFramePr>
-          <p:nvPr>
-            <p:extLst>
-              <p:ext uri="{D42A27DB-BD31-4B8C-83A1-F6EECF244321}">
-                <p14:modId xmlns:p14="http://schemas.microsoft.com/office/powerpoint/2010/main" val="1248087899"/>
-              </p:ext>
-            </p:extLst>
-          </p:nvPr>
-        </p:nvGraphicFramePr>
-        <p:xfrm>
-          <a:off x="4540920" y="2204864"/>
-          <a:ext cx="4603080" cy="3456000"/>
-        </p:xfrm>
-        <a:graphic>
-          <a:graphicData uri="http://schemas.openxmlformats.org/presentationml/2006/ole">
-            <mc:AlternateContent xmlns:mc="http://schemas.openxmlformats.org/markup-compatibility/2006">
-              <mc:Choice xmlns:v="urn:schemas-microsoft-com:vml" Requires="v">
-                <p:oleObj spid="_x0000_s3077" name="Graph" r:id="rId5" imgW="5943600" imgH="4462200" progId="Statistica.Graph">
-                  <p:embed/>
-                </p:oleObj>
-              </mc:Choice>
-              <mc:Fallback>
-                <p:oleObj name="Graph" r:id="rId5" imgW="5943600" imgH="4462200" progId="Statistica.Graph">
-                  <p:embed/>
-                  <p:pic>
-                    <p:nvPicPr>
-                      <p:cNvPr id="0" name="Picture 3"/>
-                      <p:cNvPicPr>
-                        <a:picLocks noChangeAspect="1" noChangeArrowheads="1"/>
-                      </p:cNvPicPr>
-                      <p:nvPr/>
-                    </p:nvPicPr>
-                    <p:blipFill>
-                      <a:blip r:embed="rId6">
-                        <a:extLst>
-                          <a:ext uri="{28A0092B-C50C-407E-A947-70E740481C1C}">
-                            <a14:useLocalDpi xmlns:a14="http://schemas.microsoft.com/office/drawing/2010/main" val="0"/>
-                          </a:ext>
-                        </a:extLst>
-                      </a:blip>
-                      <a:srcRect/>
-                      <a:stretch>
-                        <a:fillRect/>
-                      </a:stretch>
-                    </p:blipFill>
-                    <p:spPr bwMode="auto">
-                      <a:xfrm>
-                        <a:off x="4540920" y="2204864"/>
-                        <a:ext cx="4603080" cy="3456000"/>
-                      </a:xfrm>
-                      <a:prstGeom prst="rect">
-                        <a:avLst/>
-                      </a:prstGeom>
-                      <a:noFill/>
-                      <a:extLst>
-                        <a:ext uri="{909E8E84-426E-40DD-AFC4-6F175D3DCCD1}">
-                          <a14:hiddenFill xmlns:a14="http://schemas.microsoft.com/office/drawing/2010/main">
-                            <a:solidFill>
-                              <a:srgbClr val="FFFFFF"/>
-                            </a:solidFill>
-                          </a14:hiddenFill>
-                        </a:ext>
-                      </a:extLst>
-                    </p:spPr>
-                  </p:pic>
-                </p:oleObj>
-              </mc:Fallback>
-            </mc:AlternateContent>
-          </a:graphicData>
-        </a:graphic>
-      </p:graphicFrame>
-      <p:sp>
-        <p:nvSpPr>
-          <p:cNvPr id="7" name="pole tekstowe 6">
-            <a:extLst>
-              <a:ext uri="{FF2B5EF4-FFF2-40B4-BE49-F238E27FC236}">
-                <a16:creationId xmlns:a16="http://schemas.microsoft.com/office/drawing/2014/main" id="{0FDDEAE6-85FE-4F39-8D84-9E252DD4B391}"/>
-              </a:ext>
-            </a:extLst>
-          </p:cNvPr>
-          <p:cNvSpPr txBox="1"/>
-          <p:nvPr/>
-        </p:nvSpPr>
-        <p:spPr>
-          <a:xfrm>
-            <a:off x="210468" y="3643559"/>
-            <a:ext cx="4345879" cy="923330"/>
-          </a:xfrm>
-          <a:prstGeom prst="rect">
-            <a:avLst/>
-          </a:prstGeom>
-          <a:noFill/>
-        </p:spPr>
-        <p:txBody>
-          <a:bodyPr wrap="square" rtlCol="0">
-            <a:spAutoFit/>
-          </a:bodyPr>
-          <a:lstStyle/>
-          <a:p>
-            <a:r>
-              <a:rPr lang="en-US" b="1" dirty="0" err="1"/>
-              <a:t>Ryc</a:t>
-            </a:r>
-            <a:r>
-              <a:rPr lang="en-US" b="1" dirty="0"/>
-              <a:t>. 4 </a:t>
-            </a:r>
-            <a:r>
-              <a:rPr lang="en-US" dirty="0" err="1"/>
-              <a:t>Korelacja</a:t>
-            </a:r>
-            <a:r>
-              <a:rPr lang="en-US" dirty="0"/>
-              <a:t> </a:t>
-            </a:r>
-            <a:r>
-              <a:rPr lang="en-US" dirty="0" err="1"/>
-              <a:t>między</a:t>
-            </a:r>
-            <a:r>
-              <a:rPr lang="en-US" dirty="0"/>
-              <a:t> </a:t>
-            </a:r>
-            <a:r>
-              <a:rPr lang="en-US" dirty="0" err="1"/>
-              <a:t>liczbą</a:t>
-            </a:r>
-            <a:r>
-              <a:rPr lang="en-US" dirty="0"/>
-              <a:t> </a:t>
-            </a:r>
-            <a:r>
-              <a:rPr lang="en-US" dirty="0" err="1"/>
-              <a:t>paczkolat</a:t>
-            </a:r>
-            <a:r>
-              <a:rPr lang="en-US" dirty="0"/>
-              <a:t>         </a:t>
-            </a:r>
-            <a:r>
-              <a:rPr lang="en-US" dirty="0" err="1"/>
-              <a:t>i</a:t>
-            </a:r>
-            <a:r>
-              <a:rPr lang="en-US" dirty="0"/>
-              <a:t> </a:t>
-            </a:r>
-            <a:r>
-              <a:rPr lang="en-US" dirty="0" err="1"/>
-              <a:t>ekspresją</a:t>
-            </a:r>
-            <a:r>
-              <a:rPr lang="en-US" dirty="0"/>
-              <a:t> IL-1b </a:t>
-            </a:r>
-            <a:r>
-              <a:rPr lang="en-US" dirty="0" err="1"/>
-              <a:t>przed</a:t>
-            </a:r>
-            <a:r>
-              <a:rPr lang="en-US" dirty="0"/>
-              <a:t> </a:t>
-            </a:r>
-            <a:r>
-              <a:rPr lang="en-US" dirty="0" err="1"/>
-              <a:t>operacją</a:t>
-            </a:r>
-            <a:r>
-              <a:rPr lang="en-US" dirty="0"/>
-              <a:t> </a:t>
-            </a:r>
-            <a:r>
-              <a:rPr lang="en-US" b="1" dirty="0"/>
-              <a:t>(p=0,02;    r=-0,4; </a:t>
-            </a:r>
-            <a:r>
-              <a:rPr lang="en-US" b="1" dirty="0" err="1"/>
-              <a:t>korelacja</a:t>
-            </a:r>
-            <a:r>
-              <a:rPr lang="en-US" b="1" dirty="0"/>
-              <a:t> rang </a:t>
-            </a:r>
-            <a:r>
-              <a:rPr lang="en-US" b="1" dirty="0" err="1"/>
-              <a:t>Spearmana</a:t>
-            </a:r>
-            <a:r>
-              <a:rPr lang="en-US" b="1" dirty="0"/>
-              <a:t>)</a:t>
-            </a:r>
-            <a:endParaRPr lang="pl-PL" b="1" dirty="0"/>
-          </a:p>
-        </p:txBody>
-      </p:sp>
-      <p:sp>
-        <p:nvSpPr>
-          <p:cNvPr id="8" name="pole tekstowe 7">
-            <a:extLst>
-              <a:ext uri="{FF2B5EF4-FFF2-40B4-BE49-F238E27FC236}">
-                <a16:creationId xmlns:a16="http://schemas.microsoft.com/office/drawing/2014/main" id="{A8F4C059-1BC2-45D7-84D5-75E411D066D7}"/>
-              </a:ext>
-            </a:extLst>
-          </p:cNvPr>
-          <p:cNvSpPr txBox="1"/>
-          <p:nvPr/>
-        </p:nvSpPr>
-        <p:spPr>
-          <a:xfrm>
-            <a:off x="4932040" y="5660864"/>
-            <a:ext cx="4345879" cy="923330"/>
-          </a:xfrm>
-          <a:prstGeom prst="rect">
-            <a:avLst/>
-          </a:prstGeom>
-          <a:noFill/>
-        </p:spPr>
-        <p:txBody>
-          <a:bodyPr wrap="square" rtlCol="0">
-            <a:spAutoFit/>
-          </a:bodyPr>
-          <a:lstStyle/>
-          <a:p>
-            <a:r>
-              <a:rPr lang="en-US" b="1" dirty="0" err="1"/>
-              <a:t>Ryc</a:t>
-            </a:r>
-            <a:r>
-              <a:rPr lang="en-US" b="1" dirty="0"/>
-              <a:t>. 5 </a:t>
-            </a:r>
-            <a:r>
-              <a:rPr lang="en-US" dirty="0" err="1"/>
-              <a:t>Korelacja</a:t>
-            </a:r>
-            <a:r>
-              <a:rPr lang="en-US" dirty="0"/>
-              <a:t> </a:t>
-            </a:r>
-            <a:r>
-              <a:rPr lang="en-US" dirty="0" err="1"/>
-              <a:t>między</a:t>
-            </a:r>
-            <a:r>
-              <a:rPr lang="en-US" dirty="0"/>
-              <a:t> </a:t>
-            </a:r>
-            <a:r>
-              <a:rPr lang="en-US" dirty="0" err="1"/>
-              <a:t>liczbą</a:t>
-            </a:r>
-            <a:r>
-              <a:rPr lang="en-US" dirty="0"/>
-              <a:t> </a:t>
-            </a:r>
-            <a:r>
-              <a:rPr lang="en-US" dirty="0" err="1"/>
-              <a:t>paczkolat</a:t>
-            </a:r>
-            <a:r>
-              <a:rPr lang="en-US" dirty="0"/>
-              <a:t>         </a:t>
-            </a:r>
-            <a:r>
-              <a:rPr lang="en-US" dirty="0" err="1"/>
-              <a:t>i</a:t>
-            </a:r>
-            <a:r>
-              <a:rPr lang="en-US" dirty="0"/>
-              <a:t> </a:t>
-            </a:r>
-            <a:r>
-              <a:rPr lang="en-US" dirty="0" err="1"/>
-              <a:t>ekspresją</a:t>
-            </a:r>
-            <a:r>
-              <a:rPr lang="en-US" dirty="0"/>
-              <a:t> IL-6 </a:t>
-            </a:r>
-            <a:r>
-              <a:rPr lang="en-US" dirty="0" err="1"/>
-              <a:t>przed</a:t>
-            </a:r>
-            <a:r>
-              <a:rPr lang="en-US" dirty="0"/>
-              <a:t> </a:t>
-            </a:r>
-            <a:r>
-              <a:rPr lang="en-US" dirty="0" err="1"/>
-              <a:t>operacją</a:t>
-            </a:r>
-            <a:r>
-              <a:rPr lang="en-US" dirty="0"/>
-              <a:t> </a:t>
-            </a:r>
-            <a:r>
-              <a:rPr lang="en-US" b="1" dirty="0"/>
-              <a:t>(p=0,003;      r=-0,5; </a:t>
-            </a:r>
-            <a:r>
-              <a:rPr lang="en-US" b="1" dirty="0" err="1"/>
-              <a:t>korelacja</a:t>
-            </a:r>
-            <a:r>
-              <a:rPr lang="en-US" b="1" dirty="0"/>
-              <a:t> rang </a:t>
-            </a:r>
-            <a:r>
-              <a:rPr lang="en-US" b="1" dirty="0" err="1"/>
-              <a:t>Spearmana</a:t>
-            </a:r>
-            <a:r>
-              <a:rPr lang="en-US" b="1" dirty="0"/>
-              <a:t>)</a:t>
-            </a:r>
-            <a:endParaRPr lang="pl-PL" b="1" dirty="0"/>
-          </a:p>
-        </p:txBody>
-      </p:sp>
-    </p:spTree>
-    <p:extLst>
-      <p:ext uri="{BB962C8B-B14F-4D97-AF65-F5344CB8AC3E}">
-        <p14:creationId xmlns:p14="http://schemas.microsoft.com/office/powerpoint/2010/main" val="2318443513"/>
-      </p:ext>
-    </p:extLst>
-  </p:cSld>
-  <p:clrMapOvr>
-    <a:masterClrMapping/>
-  </p:clrMapOvr>
-</p:sld>
-</file>
-
-<file path=ppt/slides/slide12.xml><?xml version="1.0" encoding="utf-8"?>
-<p:sld xmlns:a="http://schemas.openxmlformats.org/drawingml/2006/main" xmlns:r="http://schemas.openxmlformats.org/officeDocument/2006/relationships" xmlns:p="http://schemas.openxmlformats.org/presentationml/2006/main">
-  <p:cSld>
-    <p:spTree>
-      <p:nvGrpSpPr>
-        <p:cNvPr id="1" name=""/>
-        <p:cNvGrpSpPr/>
-        <p:nvPr/>
-      </p:nvGrpSpPr>
-      <p:grpSpPr>
-        <a:xfrm>
-          <a:off x="0" y="0"/>
-          <a:ext cx="0" cy="0"/>
-          <a:chOff x="0" y="0"/>
-          <a:chExt cx="0" cy="0"/>
-        </a:xfrm>
-      </p:grpSpPr>
-      <p:graphicFrame>
-        <p:nvGraphicFramePr>
-          <p:cNvPr id="4" name="Obiekt 3">
-            <a:extLst>
-              <a:ext uri="{FF2B5EF4-FFF2-40B4-BE49-F238E27FC236}">
-                <a16:creationId xmlns:a16="http://schemas.microsoft.com/office/drawing/2014/main" id="{A40D0CFA-3CC6-453C-ABEA-2EF7A3131377}"/>
-              </a:ext>
-            </a:extLst>
-          </p:cNvPr>
-          <p:cNvGraphicFramePr>
-            <a:graphicFrameLocks noChangeAspect="1"/>
-          </p:cNvGraphicFramePr>
-          <p:nvPr>
-            <p:extLst>
-              <p:ext uri="{D42A27DB-BD31-4B8C-83A1-F6EECF244321}">
-                <p14:modId xmlns:p14="http://schemas.microsoft.com/office/powerpoint/2010/main" val="2406755590"/>
-              </p:ext>
-            </p:extLst>
-          </p:nvPr>
-        </p:nvGraphicFramePr>
-        <p:xfrm>
-          <a:off x="757843" y="116632"/>
-          <a:ext cx="7499685" cy="5630773"/>
-        </p:xfrm>
-        <a:graphic>
-          <a:graphicData uri="http://schemas.openxmlformats.org/presentationml/2006/ole">
-            <mc:AlternateContent xmlns:mc="http://schemas.openxmlformats.org/markup-compatibility/2006">
-              <mc:Choice xmlns:v="urn:schemas-microsoft-com:vml" Requires="v">
-                <p:oleObj spid="_x0000_s4099" name="Graph" r:id="rId4" imgW="5943600" imgH="4462200" progId="Statistica.Graph">
-                  <p:embed/>
-                </p:oleObj>
-              </mc:Choice>
-              <mc:Fallback>
-                <p:oleObj name="Graph" r:id="rId4" imgW="5943600" imgH="4462200" progId="Statistica.Graph">
-                  <p:embed/>
-                  <p:pic>
-                    <p:nvPicPr>
-                      <p:cNvPr id="0" name="Picture 2"/>
-                      <p:cNvPicPr>
-                        <a:picLocks noChangeAspect="1" noChangeArrowheads="1"/>
-                      </p:cNvPicPr>
-                      <p:nvPr/>
-                    </p:nvPicPr>
-                    <p:blipFill>
-                      <a:blip r:embed="rId5">
-                        <a:extLst>
-                          <a:ext uri="{28A0092B-C50C-407E-A947-70E740481C1C}">
-                            <a14:useLocalDpi xmlns:a14="http://schemas.microsoft.com/office/drawing/2010/main" val="0"/>
-                          </a:ext>
-                        </a:extLst>
-                      </a:blip>
-                      <a:srcRect/>
-                      <a:stretch>
-                        <a:fillRect/>
-                      </a:stretch>
-                    </p:blipFill>
-                    <p:spPr bwMode="auto">
-                      <a:xfrm>
-                        <a:off x="757843" y="116632"/>
-                        <a:ext cx="7499685" cy="5630773"/>
-                      </a:xfrm>
-                      <a:prstGeom prst="rect">
-                        <a:avLst/>
-                      </a:prstGeom>
-                      <a:noFill/>
-                      <a:extLst>
-                        <a:ext uri="{909E8E84-426E-40DD-AFC4-6F175D3DCCD1}">
-                          <a14:hiddenFill xmlns:a14="http://schemas.microsoft.com/office/drawing/2010/main">
-                            <a:solidFill>
-                              <a:srgbClr val="FFFFFF"/>
-                            </a:solidFill>
-                          </a14:hiddenFill>
-                        </a:ext>
-                      </a:extLst>
-                    </p:spPr>
-                  </p:pic>
-                </p:oleObj>
-              </mc:Fallback>
-            </mc:AlternateContent>
-          </a:graphicData>
-        </a:graphic>
-      </p:graphicFrame>
       <p:sp>
         <p:nvSpPr>
           <p:cNvPr id="6" name="pole tekstowe 5">
@@ -5934,6 +5406,69 @@
           </a:p>
         </p:txBody>
       </p:sp>
+      <p:graphicFrame>
+        <p:nvGraphicFramePr>
+          <p:cNvPr id="3" name="Obiekt 2">
+            <a:extLst>
+              <a:ext uri="{FF2B5EF4-FFF2-40B4-BE49-F238E27FC236}">
+                <a16:creationId xmlns:a16="http://schemas.microsoft.com/office/drawing/2014/main" id="{8FBE7A3C-BBF4-4C8D-8DB8-1ABE0CDE69E8}"/>
+              </a:ext>
+            </a:extLst>
+          </p:cNvPr>
+          <p:cNvGraphicFramePr>
+            <a:graphicFrameLocks noChangeAspect="1"/>
+          </p:cNvGraphicFramePr>
+          <p:nvPr>
+            <p:extLst>
+              <p:ext uri="{D42A27DB-BD31-4B8C-83A1-F6EECF244321}">
+                <p14:modId xmlns:p14="http://schemas.microsoft.com/office/powerpoint/2010/main" val="370054255"/>
+              </p:ext>
+            </p:extLst>
+          </p:nvPr>
+        </p:nvGraphicFramePr>
+        <p:xfrm>
+          <a:off x="758091" y="275417"/>
+          <a:ext cx="7499189" cy="5630400"/>
+        </p:xfrm>
+        <a:graphic>
+          <a:graphicData uri="http://schemas.openxmlformats.org/presentationml/2006/ole">
+            <mc:AlternateContent xmlns:mc="http://schemas.openxmlformats.org/markup-compatibility/2006">
+              <mc:Choice xmlns:v="urn:schemas-microsoft-com:vml" Requires="v">
+                <p:oleObj spid="_x0000_s4101" name="Graph" r:id="rId4" imgW="5943600" imgH="4462200" progId="Statistica.Graph">
+                  <p:embed/>
+                </p:oleObj>
+              </mc:Choice>
+              <mc:Fallback>
+                <p:oleObj name="Graph" r:id="rId4" imgW="5943600" imgH="4462200" progId="Statistica.Graph">
+                  <p:embed/>
+                  <p:pic>
+                    <p:nvPicPr>
+                      <p:cNvPr id="0" name=""/>
+                      <p:cNvPicPr/>
+                      <p:nvPr/>
+                    </p:nvPicPr>
+                    <p:blipFill>
+                      <a:blip r:embed="rId5"/>
+                      <a:stretch>
+                        <a:fillRect/>
+                      </a:stretch>
+                    </p:blipFill>
+                    <p:spPr>
+                      <a:xfrm>
+                        <a:off x="758091" y="275417"/>
+                        <a:ext cx="7499189" cy="5630400"/>
+                      </a:xfrm>
+                      <a:prstGeom prst="rect">
+                        <a:avLst/>
+                      </a:prstGeom>
+                    </p:spPr>
+                  </p:pic>
+                </p:oleObj>
+              </mc:Fallback>
+            </mc:AlternateContent>
+          </a:graphicData>
+        </a:graphic>
+      </p:graphicFrame>
       <p:grpSp>
         <p:nvGrpSpPr>
           <p:cNvPr id="18" name="Grupa 17">
@@ -6134,6 +5669,164 @@
 </p:sld>
 </file>
 
+<file path=ppt/slides/slide12.xml><?xml version="1.0" encoding="utf-8"?>
+<p:sld xmlns:a="http://schemas.openxmlformats.org/drawingml/2006/main" xmlns:r="http://schemas.openxmlformats.org/officeDocument/2006/relationships" xmlns:p="http://schemas.openxmlformats.org/presentationml/2006/main">
+  <p:cSld>
+    <p:spTree>
+      <p:nvGrpSpPr>
+        <p:cNvPr id="1" name=""/>
+        <p:cNvGrpSpPr/>
+        <p:nvPr/>
+      </p:nvGrpSpPr>
+      <p:grpSpPr>
+        <a:xfrm>
+          <a:off x="0" y="0"/>
+          <a:ext cx="0" cy="0"/>
+          <a:chOff x="0" y="0"/>
+          <a:chExt cx="0" cy="0"/>
+        </a:xfrm>
+      </p:grpSpPr>
+      <p:sp>
+        <p:nvSpPr>
+          <p:cNvPr id="2" name="Tytuł 1"/>
+          <p:cNvSpPr>
+            <a:spLocks noGrp="1"/>
+          </p:cNvSpPr>
+          <p:nvPr>
+            <p:ph type="title"/>
+          </p:nvPr>
+        </p:nvSpPr>
+        <p:spPr/>
+        <p:txBody>
+          <a:bodyPr/>
+          <a:lstStyle/>
+          <a:p>
+            <a:r>
+              <a:rPr lang="pl-PL" dirty="0"/>
+              <a:t>Podsumowanie</a:t>
+            </a:r>
+          </a:p>
+        </p:txBody>
+      </p:sp>
+      <p:sp>
+        <p:nvSpPr>
+          <p:cNvPr id="3" name="Symbol zastępczy zawartości 2"/>
+          <p:cNvSpPr>
+            <a:spLocks noGrp="1"/>
+          </p:cNvSpPr>
+          <p:nvPr>
+            <p:ph idx="1"/>
+          </p:nvPr>
+        </p:nvSpPr>
+        <p:spPr/>
+        <p:txBody>
+          <a:bodyPr>
+            <a:normAutofit fontScale="92500" lnSpcReduction="10000"/>
+          </a:bodyPr>
+          <a:lstStyle/>
+          <a:p>
+            <a:r>
+              <a:rPr lang="pl-PL" dirty="0"/>
+              <a:t>Istotne </a:t>
+            </a:r>
+            <a:r>
+              <a:rPr lang="pl-PL" b="1" dirty="0"/>
+              <a:t>różnice w ekspresji </a:t>
+            </a:r>
+            <a:r>
+              <a:rPr lang="pl-PL" b="1" i="1" dirty="0"/>
+              <a:t>IL-1β, IL-6 </a:t>
+            </a:r>
+            <a:r>
+              <a:rPr lang="pl-PL" dirty="0"/>
+              <a:t>w prawidłowej i zmienionej nowotworowo tkance płuca </a:t>
+            </a:r>
+            <a:r>
+              <a:rPr lang="pl-PL" b="1" dirty="0"/>
+              <a:t>sugerują powiązanie procesu zapalnego z etiopatogenezą NDRP</a:t>
+            </a:r>
+            <a:r>
+              <a:rPr lang="pl-PL" dirty="0"/>
+              <a:t>. </a:t>
+            </a:r>
+          </a:p>
+          <a:p>
+            <a:r>
+              <a:rPr lang="pl-PL" dirty="0"/>
+              <a:t>Korelacje poziomu ekspresji genów z liczbą </a:t>
+            </a:r>
+            <a:r>
+              <a:rPr lang="pl-PL" dirty="0" err="1"/>
+              <a:t>paczkolat</a:t>
+            </a:r>
+            <a:r>
+              <a:rPr lang="pl-PL" dirty="0"/>
+              <a:t> </a:t>
+            </a:r>
+            <a:r>
+              <a:rPr lang="pl-PL" b="1" dirty="0"/>
+              <a:t>potwierdzają wpływ palenia </a:t>
+            </a:r>
+            <a:r>
+              <a:rPr lang="pl-PL" dirty="0"/>
+              <a:t>papierosów </a:t>
+            </a:r>
+            <a:r>
+              <a:rPr lang="pl-PL" b="1" dirty="0"/>
+              <a:t>na</a:t>
+            </a:r>
+            <a:r>
+              <a:rPr lang="pl-PL" dirty="0"/>
+              <a:t> mechanizm </a:t>
+            </a:r>
+            <a:r>
+              <a:rPr lang="pl-PL" b="1" dirty="0"/>
+              <a:t>rozwoj</a:t>
+            </a:r>
+            <a:r>
+              <a:rPr lang="pl-PL" dirty="0"/>
+              <a:t>u </a:t>
+            </a:r>
+            <a:r>
+              <a:rPr lang="pl-PL" b="1" dirty="0"/>
+              <a:t>NDRP.</a:t>
+            </a:r>
+          </a:p>
+          <a:p>
+            <a:r>
+              <a:rPr lang="pl-PL" dirty="0"/>
+              <a:t>Otrzymane wyniki mogą wskazywać na potencjalne znaczenie </a:t>
+            </a:r>
+            <a:r>
+              <a:rPr lang="pl-PL" b="1" dirty="0"/>
+              <a:t>miR-9 jako </a:t>
+            </a:r>
+            <a:r>
+              <a:rPr lang="pl-PL" b="1" dirty="0" err="1"/>
+              <a:t>biomarkera</a:t>
+            </a:r>
+            <a:r>
+              <a:rPr lang="pl-PL" b="1" dirty="0"/>
+              <a:t> </a:t>
+            </a:r>
+            <a:r>
+              <a:rPr lang="pl-PL" dirty="0"/>
+              <a:t>różnicującego stopień rozwoju NDRP. </a:t>
+            </a:r>
+          </a:p>
+          <a:p>
+            <a:endParaRPr lang="pl-PL" dirty="0"/>
+          </a:p>
+        </p:txBody>
+      </p:sp>
+    </p:spTree>
+  </p:cSld>
+  <p:clrMapOvr>
+    <a:masterClrMapping/>
+  </p:clrMapOvr>
+</p:sld>
+</file>
+
 <file path=ppt/slides/slide13.xml><?xml version="1.0" encoding="utf-8"?>
 <p:sld xmlns:a="http://schemas.openxmlformats.org/drawingml/2006/main" xmlns:r="http://schemas.openxmlformats.org/officeDocument/2006/relationships" xmlns:p="http://schemas.openxmlformats.org/presentationml/2006/main">
   <p:cSld>
@@ -6168,7 +5861,7 @@
           <a:p>
             <a:r>
               <a:rPr lang="pl-PL" dirty="0"/>
-              <a:t>Podsumowanie</a:t>
+              <a:t>Możliwe wyjaśnienia</a:t>
             </a:r>
           </a:p>
         </p:txBody>
@@ -6185,100 +5878,8 @@
         </p:nvSpPr>
         <p:spPr/>
         <p:txBody>
-          <a:bodyPr>
-            <a:normAutofit fontScale="92500" lnSpcReduction="10000"/>
-          </a:bodyPr>
+          <a:bodyPr/>
           <a:lstStyle/>
-          <a:p>
-            <a:r>
-              <a:rPr lang="pl-PL" dirty="0"/>
-              <a:t>Istotne </a:t>
-            </a:r>
-            <a:r>
-              <a:rPr lang="pl-PL" b="1" dirty="0"/>
-              <a:t>różnice w ekspresji </a:t>
-            </a:r>
-            <a:r>
-              <a:rPr lang="pl-PL" b="1" i="1" dirty="0"/>
-              <a:t>IL-1β, IL-6 </a:t>
-            </a:r>
-            <a:r>
-              <a:rPr lang="pl-PL" dirty="0"/>
-              <a:t>w prawidłowej i zmienionej nowotworowo tkance płuca </a:t>
-            </a:r>
-            <a:r>
-              <a:rPr lang="pl-PL" b="1" dirty="0"/>
-              <a:t>sugerują powiązanie procesu zapalnego z etiopatogenezą NDRP</a:t>
-            </a:r>
-            <a:r>
-              <a:rPr lang="pl-PL" dirty="0"/>
-              <a:t>. </a:t>
-            </a:r>
-          </a:p>
-          <a:p>
-            <a:r>
-              <a:rPr lang="pl-PL" dirty="0"/>
-              <a:t>Korelacje poziomu ekspresji genów z liczbą </a:t>
-            </a:r>
-            <a:r>
-              <a:rPr lang="pl-PL" dirty="0" err="1"/>
-              <a:t>paczkolat</a:t>
-            </a:r>
-            <a:r>
-              <a:rPr lang="pl-PL" dirty="0"/>
-              <a:t> </a:t>
-            </a:r>
-            <a:r>
-              <a:rPr lang="pl-PL" b="1" dirty="0"/>
-              <a:t>potwierdzają wpływ palenia </a:t>
-            </a:r>
-            <a:r>
-              <a:rPr lang="pl-PL" dirty="0"/>
-              <a:t>papierosów </a:t>
-            </a:r>
-            <a:r>
-              <a:rPr lang="pl-PL" b="1" dirty="0"/>
-              <a:t>na</a:t>
-            </a:r>
-            <a:r>
-              <a:rPr lang="pl-PL" dirty="0"/>
-              <a:t> mechanizm </a:t>
-            </a:r>
-            <a:r>
-              <a:rPr lang="pl-PL" b="1" dirty="0"/>
-              <a:t>rozwoj</a:t>
-            </a:r>
-            <a:r>
-              <a:rPr lang="pl-PL" dirty="0"/>
-              <a:t>u </a:t>
-            </a:r>
-            <a:r>
-              <a:rPr lang="pl-PL" b="1" dirty="0"/>
-              <a:t>NDRP.</a:t>
-            </a:r>
-          </a:p>
-          <a:p>
-            <a:r>
-              <a:rPr lang="pl-PL" dirty="0"/>
-              <a:t>Otrzymane wyniki mogą wskazywać na potencjalne znaczenie </a:t>
-            </a:r>
-            <a:r>
-              <a:rPr lang="pl-PL" b="1" dirty="0"/>
-              <a:t>miR-9 jako </a:t>
-            </a:r>
-            <a:r>
-              <a:rPr lang="pl-PL" b="1" dirty="0" err="1"/>
-              <a:t>biomarkera</a:t>
-            </a:r>
-            <a:r>
-              <a:rPr lang="pl-PL" b="1" dirty="0"/>
-              <a:t> </a:t>
-            </a:r>
-            <a:r>
-              <a:rPr lang="pl-PL" dirty="0"/>
-              <a:t>różnicującego stopień rozwoju NDRP. </a:t>
-            </a:r>
-          </a:p>
           <a:p>
             <a:endParaRPr lang="pl-PL" dirty="0"/>
           </a:p>
@@ -6293,72 +5894,6 @@
 </file>
 
 <file path=ppt/slides/slide14.xml><?xml version="1.0" encoding="utf-8"?>
-<p:sld xmlns:a="http://schemas.openxmlformats.org/drawingml/2006/main" xmlns:r="http://schemas.openxmlformats.org/officeDocument/2006/relationships" xmlns:p="http://schemas.openxmlformats.org/presentationml/2006/main">
-  <p:cSld>
-    <p:spTree>
-      <p:nvGrpSpPr>
-        <p:cNvPr id="1" name=""/>
-        <p:cNvGrpSpPr/>
-        <p:nvPr/>
-      </p:nvGrpSpPr>
-      <p:grpSpPr>
-        <a:xfrm>
-          <a:off x="0" y="0"/>
-          <a:ext cx="0" cy="0"/>
-          <a:chOff x="0" y="0"/>
-          <a:chExt cx="0" cy="0"/>
-        </a:xfrm>
-      </p:grpSpPr>
-      <p:sp>
-        <p:nvSpPr>
-          <p:cNvPr id="2" name="Tytuł 1"/>
-          <p:cNvSpPr>
-            <a:spLocks noGrp="1"/>
-          </p:cNvSpPr>
-          <p:nvPr>
-            <p:ph type="title"/>
-          </p:nvPr>
-        </p:nvSpPr>
-        <p:spPr/>
-        <p:txBody>
-          <a:bodyPr/>
-          <a:lstStyle/>
-          <a:p>
-            <a:r>
-              <a:rPr lang="pl-PL" dirty="0"/>
-              <a:t>Możliwe wyjaśnienia</a:t>
-            </a:r>
-          </a:p>
-        </p:txBody>
-      </p:sp>
-      <p:sp>
-        <p:nvSpPr>
-          <p:cNvPr id="3" name="Symbol zastępczy zawartości 2"/>
-          <p:cNvSpPr>
-            <a:spLocks noGrp="1"/>
-          </p:cNvSpPr>
-          <p:nvPr>
-            <p:ph idx="1"/>
-          </p:nvPr>
-        </p:nvSpPr>
-        <p:spPr/>
-        <p:txBody>
-          <a:bodyPr/>
-          <a:lstStyle/>
-          <a:p>
-            <a:endParaRPr lang="pl-PL" dirty="0"/>
-          </a:p>
-        </p:txBody>
-      </p:sp>
-    </p:spTree>
-  </p:cSld>
-  <p:clrMapOvr>
-    <a:masterClrMapping/>
-  </p:clrMapOvr>
-</p:sld>
-</file>
-
-<file path=ppt/slides/slide15.xml><?xml version="1.0" encoding="utf-8"?>
 <p:sld xmlns:a="http://schemas.openxmlformats.org/drawingml/2006/main" xmlns:r="http://schemas.openxmlformats.org/officeDocument/2006/relationships" xmlns:p="http://schemas.openxmlformats.org/presentationml/2006/main">
   <p:cSld>
     <p:spTree>
@@ -6501,7 +6036,7 @@
 </p:sld>
 </file>
 
-<file path=ppt/slides/slide16.xml><?xml version="1.0" encoding="utf-8"?>
+<file path=ppt/slides/slide15.xml><?xml version="1.0" encoding="utf-8"?>
 <p:sld xmlns:a="http://schemas.openxmlformats.org/drawingml/2006/main" xmlns:r="http://schemas.openxmlformats.org/officeDocument/2006/relationships" xmlns:p="http://schemas.openxmlformats.org/presentationml/2006/main">
   <p:cSld>
     <p:spTree>
@@ -9334,88 +8869,6 @@
           <a:chExt cx="0" cy="0"/>
         </a:xfrm>
       </p:grpSpPr>
-      <p:graphicFrame>
-        <p:nvGraphicFramePr>
-          <p:cNvPr id="7" name="Obiekt 6">
-            <a:extLst>
-              <a:ext uri="{FF2B5EF4-FFF2-40B4-BE49-F238E27FC236}">
-                <a16:creationId xmlns:a16="http://schemas.microsoft.com/office/drawing/2014/main" id="{D84738A8-5279-4E61-AE5D-3D2D65F75D4A}"/>
-              </a:ext>
-            </a:extLst>
-          </p:cNvPr>
-          <p:cNvGraphicFramePr>
-            <a:graphicFrameLocks noChangeAspect="1"/>
-          </p:cNvGraphicFramePr>
-          <p:nvPr>
-            <p:extLst>
-              <p:ext uri="{D42A27DB-BD31-4B8C-83A1-F6EECF244321}">
-                <p14:modId xmlns:p14="http://schemas.microsoft.com/office/powerpoint/2010/main" val="2070638612"/>
-              </p:ext>
-            </p:extLst>
-          </p:nvPr>
-        </p:nvGraphicFramePr>
-        <p:xfrm>
-          <a:off x="4407691" y="3514505"/>
-          <a:ext cx="3644106" cy="2736000"/>
-        </p:xfrm>
-        <a:graphic>
-          <a:graphicData uri="http://schemas.openxmlformats.org/presentationml/2006/ole">
-            <mc:AlternateContent xmlns:mc="http://schemas.openxmlformats.org/markup-compatibility/2006">
-              <mc:Choice xmlns:v="urn:schemas-microsoft-com:vml" Requires="v">
-                <p:oleObj spid="_x0000_s1028" name="Graph" r:id="rId4" imgW="5943600" imgH="4462200" progId="Statistica.Graph">
-                  <p:embed/>
-                </p:oleObj>
-              </mc:Choice>
-              <mc:Fallback>
-                <p:oleObj name="Graph" r:id="rId4" imgW="5943600" imgH="4462200" progId="Statistica.Graph">
-                  <p:embed/>
-                  <p:pic>
-                    <p:nvPicPr>
-                      <p:cNvPr id="0" name="Picture 2"/>
-                      <p:cNvPicPr>
-                        <a:picLocks noChangeAspect="1" noChangeArrowheads="1"/>
-                      </p:cNvPicPr>
-                      <p:nvPr/>
-                    </p:nvPicPr>
-                    <p:blipFill>
-                      <a:blip r:embed="rId5">
-                        <a:extLst>
-                          <a:ext uri="{28A0092B-C50C-407E-A947-70E740481C1C}">
-                            <a14:useLocalDpi xmlns:a14="http://schemas.microsoft.com/office/drawing/2010/main" val="0"/>
-                          </a:ext>
-                        </a:extLst>
-                      </a:blip>
-                      <a:srcRect/>
-                      <a:stretch>
-                        <a:fillRect/>
-                      </a:stretch>
-                    </p:blipFill>
-                    <p:spPr bwMode="auto">
-                      <a:xfrm>
-                        <a:off x="4407691" y="3514505"/>
-                        <a:ext cx="3644106" cy="2736000"/>
-                      </a:xfrm>
-                      <a:prstGeom prst="rect">
-                        <a:avLst/>
-                      </a:prstGeom>
-                      <a:noFill/>
-                      <a:extLst>
-                        <a:ext uri="{909E8E84-426E-40DD-AFC4-6F175D3DCCD1}">
-                          <a14:hiddenFill xmlns:a14="http://schemas.microsoft.com/office/drawing/2010/main">
-                            <a:solidFill>
-                              <a:srgbClr val="FFFFFF"/>
-                            </a:solidFill>
-                          </a14:hiddenFill>
-                        </a:ext>
-                      </a:extLst>
-                    </p:spPr>
-                  </p:pic>
-                </p:oleObj>
-              </mc:Fallback>
-            </mc:AlternateContent>
-          </a:graphicData>
-        </a:graphic>
-      </p:graphicFrame>
       <p:sp>
         <p:nvSpPr>
           <p:cNvPr id="8" name="pole tekstowe 7">
@@ -9618,10 +9071,10 @@
       </p:sp>
       <p:graphicFrame>
         <p:nvGraphicFramePr>
-          <p:cNvPr id="6" name="Obiekt 5">
+          <p:cNvPr id="3" name="Obiekt 2">
             <a:extLst>
               <a:ext uri="{FF2B5EF4-FFF2-40B4-BE49-F238E27FC236}">
-                <a16:creationId xmlns:a16="http://schemas.microsoft.com/office/drawing/2014/main" id="{489E675C-D2E9-4BE4-A7F8-AE34DEBE878F}"/>
+                <a16:creationId xmlns:a16="http://schemas.microsoft.com/office/drawing/2014/main" id="{230716D9-4083-4AB3-9832-DDEFD139A8FA}"/>
               </a:ext>
             </a:extLst>
           </p:cNvPr>
@@ -9631,65 +9084,46 @@
           <p:nvPr>
             <p:extLst>
               <p:ext uri="{D42A27DB-BD31-4B8C-83A1-F6EECF244321}">
-                <p14:modId xmlns:p14="http://schemas.microsoft.com/office/powerpoint/2010/main" val="3606108634"/>
+                <p14:modId xmlns:p14="http://schemas.microsoft.com/office/powerpoint/2010/main" val="1144702150"/>
               </p:ext>
             </p:extLst>
           </p:nvPr>
         </p:nvGraphicFramePr>
         <p:xfrm>
-          <a:off x="407679" y="256614"/>
-          <a:ext cx="3644107" cy="2736000"/>
+          <a:off x="142458" y="345885"/>
+          <a:ext cx="3644108" cy="2736000"/>
         </p:xfrm>
         <a:graphic>
           <a:graphicData uri="http://schemas.openxmlformats.org/presentationml/2006/ole">
             <mc:AlternateContent xmlns:mc="http://schemas.openxmlformats.org/markup-compatibility/2006">
               <mc:Choice xmlns:v="urn:schemas-microsoft-com:vml" Requires="v">
-                <p:oleObj spid="_x0000_s1029" name="Graph" r:id="rId6" imgW="5943600" imgH="4462200" progId="Statistica.Graph">
+                <p:oleObj spid="_x0000_s1032" name="Graph" r:id="rId4" imgW="5943600" imgH="4462200" progId="Statistica.Graph">
                   <p:embed/>
                 </p:oleObj>
               </mc:Choice>
               <mc:Fallback>
-                <p:oleObj name="Graph" r:id="rId6" imgW="5943600" imgH="4462200" progId="Statistica.Graph">
+                <p:oleObj name="Graph" r:id="rId4" imgW="5943600" imgH="4462200" progId="Statistica.Graph">
                   <p:embed/>
                   <p:pic>
                     <p:nvPicPr>
-                      <p:cNvPr id="0" name="Picture 3"/>
-                      <p:cNvPicPr>
-                        <a:picLocks noChangeAspect="1" noChangeArrowheads="1"/>
-                      </p:cNvPicPr>
+                      <p:cNvPr id="0" name=""/>
+                      <p:cNvPicPr/>
                       <p:nvPr/>
                     </p:nvPicPr>
                     <p:blipFill>
-                      <a:blip r:embed="rId7">
-                        <a:extLst>
-                          <a:ext uri="{28A0092B-C50C-407E-A947-70E740481C1C}">
-                            <a14:useLocalDpi xmlns:a14="http://schemas.microsoft.com/office/drawing/2010/main" val="0"/>
-                          </a:ext>
-                        </a:extLst>
-                      </a:blip>
-                      <a:srcRect/>
+                      <a:blip r:embed="rId5"/>
                       <a:stretch>
                         <a:fillRect/>
                       </a:stretch>
                     </p:blipFill>
-                    <p:spPr bwMode="auto">
+                    <p:spPr>
                       <a:xfrm>
-                        <a:off x="407679" y="256614"/>
-                        <a:ext cx="3644107" cy="2736000"/>
+                        <a:off x="142458" y="345885"/>
+                        <a:ext cx="3644108" cy="2736000"/>
                       </a:xfrm>
                       <a:prstGeom prst="rect">
                         <a:avLst/>
                       </a:prstGeom>
-                      <a:noFill/>
-                      <a:extLst>
-                        <a:ext uri="{909E8E84-426E-40DD-AFC4-6F175D3DCCD1}">
-                          <a14:hiddenFill xmlns:a14="http://schemas.microsoft.com/office/drawing/2010/main">
-                            <a:solidFill>
-                              <a:srgbClr val="FFFFFF"/>
-                            </a:solidFill>
-                          </a14:hiddenFill>
-                        </a:ext>
-                      </a:extLst>
                     </p:spPr>
                   </p:pic>
                 </p:oleObj>
@@ -9712,7 +9146,7 @@
         </p:nvGrpSpPr>
         <p:grpSpPr>
           <a:xfrm>
-            <a:off x="1619672" y="116632"/>
+            <a:off x="1331640" y="188640"/>
             <a:ext cx="1584176" cy="2101268"/>
             <a:chOff x="139114" y="4072715"/>
             <a:chExt cx="1584176" cy="2101268"/>
@@ -9745,49 +9179,6 @@
                 <a:schemeClr val="tx1"/>
               </a:solidFill>
               <a:tailEnd type="triangle"/>
-            </a:ln>
-          </p:spPr>
-          <p:style>
-            <a:lnRef idx="1">
-              <a:schemeClr val="accent1"/>
-            </a:lnRef>
-            <a:fillRef idx="0">
-              <a:schemeClr val="accent1"/>
-            </a:fillRef>
-            <a:effectRef idx="0">
-              <a:schemeClr val="accent1"/>
-            </a:effectRef>
-            <a:fontRef idx="minor">
-              <a:schemeClr val="tx1"/>
-            </a:fontRef>
-          </p:style>
-        </p:cxnSp>
-        <p:cxnSp>
-          <p:nvCxnSpPr>
-            <p:cNvPr id="29" name="Łącznik prosty 28">
-              <a:extLst>
-                <a:ext uri="{FF2B5EF4-FFF2-40B4-BE49-F238E27FC236}">
-                  <a16:creationId xmlns:a16="http://schemas.microsoft.com/office/drawing/2014/main" id="{69780187-51D2-4796-9820-AD7C572C9817}"/>
-                </a:ext>
-              </a:extLst>
-            </p:cNvPr>
-            <p:cNvCxnSpPr>
-              <a:cxnSpLocks/>
-            </p:cNvCxnSpPr>
-            <p:nvPr/>
-          </p:nvCxnSpPr>
-          <p:spPr>
-            <a:xfrm>
-              <a:off x="139114" y="4365104"/>
-              <a:ext cx="1584176" cy="0"/>
-            </a:xfrm>
-            <a:prstGeom prst="line">
-              <a:avLst/>
-            </a:prstGeom>
-            <a:ln>
-              <a:solidFill>
-                <a:schemeClr val="tx1"/>
-              </a:solidFill>
             </a:ln>
           </p:spPr>
           <p:style>
@@ -9884,7 +9275,113 @@
             </a:p>
           </p:txBody>
         </p:sp>
+        <p:cxnSp>
+          <p:nvCxnSpPr>
+            <p:cNvPr id="29" name="Łącznik prosty 28">
+              <a:extLst>
+                <a:ext uri="{FF2B5EF4-FFF2-40B4-BE49-F238E27FC236}">
+                  <a16:creationId xmlns:a16="http://schemas.microsoft.com/office/drawing/2014/main" id="{69780187-51D2-4796-9820-AD7C572C9817}"/>
+                </a:ext>
+              </a:extLst>
+            </p:cNvPr>
+            <p:cNvCxnSpPr>
+              <a:cxnSpLocks/>
+            </p:cNvCxnSpPr>
+            <p:nvPr/>
+          </p:nvCxnSpPr>
+          <p:spPr>
+            <a:xfrm>
+              <a:off x="139114" y="4365104"/>
+              <a:ext cx="1584176" cy="0"/>
+            </a:xfrm>
+            <a:prstGeom prst="line">
+              <a:avLst/>
+            </a:prstGeom>
+            <a:ln>
+              <a:solidFill>
+                <a:schemeClr val="tx1"/>
+              </a:solidFill>
+            </a:ln>
+          </p:spPr>
+          <p:style>
+            <a:lnRef idx="1">
+              <a:schemeClr val="accent1"/>
+            </a:lnRef>
+            <a:fillRef idx="0">
+              <a:schemeClr val="accent1"/>
+            </a:fillRef>
+            <a:effectRef idx="0">
+              <a:schemeClr val="accent1"/>
+            </a:effectRef>
+            <a:fontRef idx="minor">
+              <a:schemeClr val="tx1"/>
+            </a:fontRef>
+          </p:style>
+        </p:cxnSp>
       </p:grpSp>
+      <p:graphicFrame>
+        <p:nvGraphicFramePr>
+          <p:cNvPr id="4" name="Obiekt 3">
+            <a:extLst>
+              <a:ext uri="{FF2B5EF4-FFF2-40B4-BE49-F238E27FC236}">
+                <a16:creationId xmlns:a16="http://schemas.microsoft.com/office/drawing/2014/main" id="{3CEA2829-7603-48B3-8627-1049D2096825}"/>
+              </a:ext>
+            </a:extLst>
+          </p:cNvPr>
+          <p:cNvGraphicFramePr>
+            <a:graphicFrameLocks noChangeAspect="1"/>
+          </p:cNvGraphicFramePr>
+          <p:nvPr>
+            <p:extLst>
+              <p:ext uri="{D42A27DB-BD31-4B8C-83A1-F6EECF244321}">
+                <p14:modId xmlns:p14="http://schemas.microsoft.com/office/powerpoint/2010/main" val="2199694591"/>
+              </p:ext>
+            </p:extLst>
+          </p:nvPr>
+        </p:nvGraphicFramePr>
+        <p:xfrm>
+          <a:off x="4390930" y="3559805"/>
+          <a:ext cx="3644107" cy="2736000"/>
+        </p:xfrm>
+        <a:graphic>
+          <a:graphicData uri="http://schemas.openxmlformats.org/presentationml/2006/ole">
+            <mc:AlternateContent xmlns:mc="http://schemas.openxmlformats.org/markup-compatibility/2006">
+              <mc:Choice xmlns:v="urn:schemas-microsoft-com:vml" Requires="v">
+                <p:oleObj spid="_x0000_s1033" name="Graph" r:id="rId6" imgW="5943600" imgH="4462200" progId="Statistica.Graph">
+                  <p:embed/>
+                </p:oleObj>
+              </mc:Choice>
+              <mc:Fallback>
+                <p:oleObj name="Graph" r:id="rId6" imgW="5943600" imgH="4462200" progId="Statistica.Graph">
+                  <p:embed/>
+                  <p:pic>
+                    <p:nvPicPr>
+                      <p:cNvPr id="0" name=""/>
+                      <p:cNvPicPr/>
+                      <p:nvPr/>
+                    </p:nvPicPr>
+                    <p:blipFill>
+                      <a:blip r:embed="rId7"/>
+                      <a:stretch>
+                        <a:fillRect/>
+                      </a:stretch>
+                    </p:blipFill>
+                    <p:spPr>
+                      <a:xfrm>
+                        <a:off x="4390930" y="3559805"/>
+                        <a:ext cx="3644107" cy="2736000"/>
+                      </a:xfrm>
+                      <a:prstGeom prst="rect">
+                        <a:avLst/>
+                      </a:prstGeom>
+                    </p:spPr>
+                  </p:pic>
+                </p:oleObj>
+              </mc:Fallback>
+            </mc:AlternateContent>
+          </a:graphicData>
+        </a:graphic>
+      </p:graphicFrame>
       <p:grpSp>
         <p:nvGrpSpPr>
           <p:cNvPr id="33" name="Grupa 32">
@@ -9899,10 +9396,10 @@
         </p:nvGrpSpPr>
         <p:grpSpPr>
           <a:xfrm>
-            <a:off x="5580112" y="3366823"/>
-            <a:ext cx="1584176" cy="1934385"/>
+            <a:off x="5583955" y="3308859"/>
+            <a:ext cx="1584176" cy="2136365"/>
             <a:chOff x="139114" y="4072715"/>
-            <a:chExt cx="1584176" cy="1934385"/>
+            <a:chExt cx="1584176" cy="2136365"/>
           </a:xfrm>
         </p:grpSpPr>
         <p:cxnSp>
@@ -9922,7 +9419,7 @@
           <p:spPr>
             <a:xfrm>
               <a:off x="139114" y="4365104"/>
-              <a:ext cx="0" cy="1641996"/>
+              <a:ext cx="0" cy="1843976"/>
             </a:xfrm>
             <a:prstGeom prst="straightConnector1">
               <a:avLst/>
@@ -10009,7 +9506,7 @@
           <p:spPr>
             <a:xfrm>
               <a:off x="1723290" y="4365103"/>
-              <a:ext cx="0" cy="153309"/>
+              <a:ext cx="0" cy="187793"/>
             </a:xfrm>
             <a:prstGeom prst="straightConnector1">
               <a:avLst/>
